--- a/Project Structure.pptx
+++ b/Project Structure.pptx
@@ -104,6 +104,11 @@
       </a:defRPr>
     </a:lvl9pPr>
   </p:defaultTextStyle>
+  <p:extLst>
+    <p:ext uri="{EFAFB233-063F-42B5-8137-9DF3F51BA10A}">
+      <p15:sldGuideLst xmlns:p15="http://schemas.microsoft.com/office/powerpoint/2012/main"/>
+    </p:ext>
+  </p:extLst>
 </p:presentation>
 </file>
 
@@ -254,7 +259,7 @@
           <a:p>
             <a:fld id="{B386B21A-7B5C-4286-8EA3-7E4B6FA8A380}" type="datetimeFigureOut">
               <a:rPr lang="en-US" smtClean="0"/>
-              <a:t>6/5/2021</a:t>
+              <a:t>6/7/2021</a:t>
             </a:fld>
             <a:endParaRPr lang="en-US"/>
           </a:p>
@@ -452,7 +457,7 @@
           <a:p>
             <a:fld id="{B386B21A-7B5C-4286-8EA3-7E4B6FA8A380}" type="datetimeFigureOut">
               <a:rPr lang="en-US" smtClean="0"/>
-              <a:t>6/5/2021</a:t>
+              <a:t>6/7/2021</a:t>
             </a:fld>
             <a:endParaRPr lang="en-US"/>
           </a:p>
@@ -660,7 +665,7 @@
           <a:p>
             <a:fld id="{B386B21A-7B5C-4286-8EA3-7E4B6FA8A380}" type="datetimeFigureOut">
               <a:rPr lang="en-US" smtClean="0"/>
-              <a:t>6/5/2021</a:t>
+              <a:t>6/7/2021</a:t>
             </a:fld>
             <a:endParaRPr lang="en-US"/>
           </a:p>
@@ -858,7 +863,7 @@
           <a:p>
             <a:fld id="{B386B21A-7B5C-4286-8EA3-7E4B6FA8A380}" type="datetimeFigureOut">
               <a:rPr lang="en-US" smtClean="0"/>
-              <a:t>6/5/2021</a:t>
+              <a:t>6/7/2021</a:t>
             </a:fld>
             <a:endParaRPr lang="en-US"/>
           </a:p>
@@ -1133,7 +1138,7 @@
           <a:p>
             <a:fld id="{B386B21A-7B5C-4286-8EA3-7E4B6FA8A380}" type="datetimeFigureOut">
               <a:rPr lang="en-US" smtClean="0"/>
-              <a:t>6/5/2021</a:t>
+              <a:t>6/7/2021</a:t>
             </a:fld>
             <a:endParaRPr lang="en-US"/>
           </a:p>
@@ -1398,7 +1403,7 @@
           <a:p>
             <a:fld id="{B386B21A-7B5C-4286-8EA3-7E4B6FA8A380}" type="datetimeFigureOut">
               <a:rPr lang="en-US" smtClean="0"/>
-              <a:t>6/5/2021</a:t>
+              <a:t>6/7/2021</a:t>
             </a:fld>
             <a:endParaRPr lang="en-US"/>
           </a:p>
@@ -1810,7 +1815,7 @@
           <a:p>
             <a:fld id="{B386B21A-7B5C-4286-8EA3-7E4B6FA8A380}" type="datetimeFigureOut">
               <a:rPr lang="en-US" smtClean="0"/>
-              <a:t>6/5/2021</a:t>
+              <a:t>6/7/2021</a:t>
             </a:fld>
             <a:endParaRPr lang="en-US"/>
           </a:p>
@@ -1951,7 +1956,7 @@
           <a:p>
             <a:fld id="{B386B21A-7B5C-4286-8EA3-7E4B6FA8A380}" type="datetimeFigureOut">
               <a:rPr lang="en-US" smtClean="0"/>
-              <a:t>6/5/2021</a:t>
+              <a:t>6/7/2021</a:t>
             </a:fld>
             <a:endParaRPr lang="en-US"/>
           </a:p>
@@ -2064,7 +2069,7 @@
           <a:p>
             <a:fld id="{B386B21A-7B5C-4286-8EA3-7E4B6FA8A380}" type="datetimeFigureOut">
               <a:rPr lang="en-US" smtClean="0"/>
-              <a:t>6/5/2021</a:t>
+              <a:t>6/7/2021</a:t>
             </a:fld>
             <a:endParaRPr lang="en-US"/>
           </a:p>
@@ -2375,7 +2380,7 @@
           <a:p>
             <a:fld id="{B386B21A-7B5C-4286-8EA3-7E4B6FA8A380}" type="datetimeFigureOut">
               <a:rPr lang="en-US" smtClean="0"/>
-              <a:t>6/5/2021</a:t>
+              <a:t>6/7/2021</a:t>
             </a:fld>
             <a:endParaRPr lang="en-US"/>
           </a:p>
@@ -2663,7 +2668,7 @@
           <a:p>
             <a:fld id="{B386B21A-7B5C-4286-8EA3-7E4B6FA8A380}" type="datetimeFigureOut">
               <a:rPr lang="en-US" smtClean="0"/>
-              <a:t>6/5/2021</a:t>
+              <a:t>6/7/2021</a:t>
             </a:fld>
             <a:endParaRPr lang="en-US"/>
           </a:p>
@@ -2904,7 +2909,7 @@
           <a:p>
             <a:fld id="{B386B21A-7B5C-4286-8EA3-7E4B6FA8A380}" type="datetimeFigureOut">
               <a:rPr lang="en-US" smtClean="0"/>
-              <a:t>6/5/2021</a:t>
+              <a:t>6/7/2021</a:t>
             </a:fld>
             <a:endParaRPr lang="en-US"/>
           </a:p>

--- a/Project Structure.pptx
+++ b/Project Structure.pptx
@@ -259,7 +259,7 @@
           <a:p>
             <a:fld id="{B386B21A-7B5C-4286-8EA3-7E4B6FA8A380}" type="datetimeFigureOut">
               <a:rPr lang="en-US" smtClean="0"/>
-              <a:t>6/7/2021</a:t>
+              <a:t>6/21/2021</a:t>
             </a:fld>
             <a:endParaRPr lang="en-US"/>
           </a:p>
@@ -457,7 +457,7 @@
           <a:p>
             <a:fld id="{B386B21A-7B5C-4286-8EA3-7E4B6FA8A380}" type="datetimeFigureOut">
               <a:rPr lang="en-US" smtClean="0"/>
-              <a:t>6/7/2021</a:t>
+              <a:t>6/21/2021</a:t>
             </a:fld>
             <a:endParaRPr lang="en-US"/>
           </a:p>
@@ -665,7 +665,7 @@
           <a:p>
             <a:fld id="{B386B21A-7B5C-4286-8EA3-7E4B6FA8A380}" type="datetimeFigureOut">
               <a:rPr lang="en-US" smtClean="0"/>
-              <a:t>6/7/2021</a:t>
+              <a:t>6/21/2021</a:t>
             </a:fld>
             <a:endParaRPr lang="en-US"/>
           </a:p>
@@ -863,7 +863,7 @@
           <a:p>
             <a:fld id="{B386B21A-7B5C-4286-8EA3-7E4B6FA8A380}" type="datetimeFigureOut">
               <a:rPr lang="en-US" smtClean="0"/>
-              <a:t>6/7/2021</a:t>
+              <a:t>6/21/2021</a:t>
             </a:fld>
             <a:endParaRPr lang="en-US"/>
           </a:p>
@@ -1138,7 +1138,7 @@
           <a:p>
             <a:fld id="{B386B21A-7B5C-4286-8EA3-7E4B6FA8A380}" type="datetimeFigureOut">
               <a:rPr lang="en-US" smtClean="0"/>
-              <a:t>6/7/2021</a:t>
+              <a:t>6/21/2021</a:t>
             </a:fld>
             <a:endParaRPr lang="en-US"/>
           </a:p>
@@ -1403,7 +1403,7 @@
           <a:p>
             <a:fld id="{B386B21A-7B5C-4286-8EA3-7E4B6FA8A380}" type="datetimeFigureOut">
               <a:rPr lang="en-US" smtClean="0"/>
-              <a:t>6/7/2021</a:t>
+              <a:t>6/21/2021</a:t>
             </a:fld>
             <a:endParaRPr lang="en-US"/>
           </a:p>
@@ -1815,7 +1815,7 @@
           <a:p>
             <a:fld id="{B386B21A-7B5C-4286-8EA3-7E4B6FA8A380}" type="datetimeFigureOut">
               <a:rPr lang="en-US" smtClean="0"/>
-              <a:t>6/7/2021</a:t>
+              <a:t>6/21/2021</a:t>
             </a:fld>
             <a:endParaRPr lang="en-US"/>
           </a:p>
@@ -1956,7 +1956,7 @@
           <a:p>
             <a:fld id="{B386B21A-7B5C-4286-8EA3-7E4B6FA8A380}" type="datetimeFigureOut">
               <a:rPr lang="en-US" smtClean="0"/>
-              <a:t>6/7/2021</a:t>
+              <a:t>6/21/2021</a:t>
             </a:fld>
             <a:endParaRPr lang="en-US"/>
           </a:p>
@@ -2069,7 +2069,7 @@
           <a:p>
             <a:fld id="{B386B21A-7B5C-4286-8EA3-7E4B6FA8A380}" type="datetimeFigureOut">
               <a:rPr lang="en-US" smtClean="0"/>
-              <a:t>6/7/2021</a:t>
+              <a:t>6/21/2021</a:t>
             </a:fld>
             <a:endParaRPr lang="en-US"/>
           </a:p>
@@ -2380,7 +2380,7 @@
           <a:p>
             <a:fld id="{B386B21A-7B5C-4286-8EA3-7E4B6FA8A380}" type="datetimeFigureOut">
               <a:rPr lang="en-US" smtClean="0"/>
-              <a:t>6/7/2021</a:t>
+              <a:t>6/21/2021</a:t>
             </a:fld>
             <a:endParaRPr lang="en-US"/>
           </a:p>
@@ -2668,7 +2668,7 @@
           <a:p>
             <a:fld id="{B386B21A-7B5C-4286-8EA3-7E4B6FA8A380}" type="datetimeFigureOut">
               <a:rPr lang="en-US" smtClean="0"/>
-              <a:t>6/7/2021</a:t>
+              <a:t>6/21/2021</a:t>
             </a:fld>
             <a:endParaRPr lang="en-US"/>
           </a:p>
@@ -2909,7 +2909,7 @@
           <a:p>
             <a:fld id="{B386B21A-7B5C-4286-8EA3-7E4B6FA8A380}" type="datetimeFigureOut">
               <a:rPr lang="en-US" smtClean="0"/>
-              <a:t>6/7/2021</a:t>
+              <a:t>6/21/2021</a:t>
             </a:fld>
             <a:endParaRPr lang="en-US"/>
           </a:p>
@@ -3400,8 +3400,8 @@
         </p:nvSpPr>
         <p:spPr>
           <a:xfrm>
-            <a:off x="1049045" y="1933682"/>
-            <a:ext cx="2013751" cy="369332"/>
+            <a:off x="378207" y="1933682"/>
+            <a:ext cx="2684589" cy="369332"/>
           </a:xfrm>
           <a:prstGeom prst="rect">
             <a:avLst/>
@@ -3417,14 +3417,14 @@
           <a:lstStyle/>
           <a:p>
             <a:r>
-              <a:rPr lang="en-US" dirty="0">
+              <a:rPr lang="en-US" dirty="0" err="1">
                 <a:solidFill>
                   <a:schemeClr val="bg1"/>
                 </a:solidFill>
                 <a:latin typeface="Microsoft JhengHei UI" panose="020B0604030504040204" pitchFamily="34" charset="-120"/>
                 <a:ea typeface="Microsoft JhengHei UI" panose="020B0604030504040204" pitchFamily="34" charset="-120"/>
               </a:rPr>
-              <a:t>Assimp</a:t>
+              <a:t>tinyobjloader</a:t>
             </a:r>
             <a:r>
               <a:rPr lang="en-US" sz="1100" dirty="0">

--- a/Project Structure.pptx
+++ b/Project Structure.pptx
@@ -259,7 +259,7 @@
           <a:p>
             <a:fld id="{B386B21A-7B5C-4286-8EA3-7E4B6FA8A380}" type="datetimeFigureOut">
               <a:rPr lang="en-US" smtClean="0"/>
-              <a:t>6/21/2021</a:t>
+              <a:t>7/5/2021</a:t>
             </a:fld>
             <a:endParaRPr lang="en-US"/>
           </a:p>
@@ -457,7 +457,7 @@
           <a:p>
             <a:fld id="{B386B21A-7B5C-4286-8EA3-7E4B6FA8A380}" type="datetimeFigureOut">
               <a:rPr lang="en-US" smtClean="0"/>
-              <a:t>6/21/2021</a:t>
+              <a:t>7/5/2021</a:t>
             </a:fld>
             <a:endParaRPr lang="en-US"/>
           </a:p>
@@ -665,7 +665,7 @@
           <a:p>
             <a:fld id="{B386B21A-7B5C-4286-8EA3-7E4B6FA8A380}" type="datetimeFigureOut">
               <a:rPr lang="en-US" smtClean="0"/>
-              <a:t>6/21/2021</a:t>
+              <a:t>7/5/2021</a:t>
             </a:fld>
             <a:endParaRPr lang="en-US"/>
           </a:p>
@@ -863,7 +863,7 @@
           <a:p>
             <a:fld id="{B386B21A-7B5C-4286-8EA3-7E4B6FA8A380}" type="datetimeFigureOut">
               <a:rPr lang="en-US" smtClean="0"/>
-              <a:t>6/21/2021</a:t>
+              <a:t>7/5/2021</a:t>
             </a:fld>
             <a:endParaRPr lang="en-US"/>
           </a:p>
@@ -1138,7 +1138,7 @@
           <a:p>
             <a:fld id="{B386B21A-7B5C-4286-8EA3-7E4B6FA8A380}" type="datetimeFigureOut">
               <a:rPr lang="en-US" smtClean="0"/>
-              <a:t>6/21/2021</a:t>
+              <a:t>7/5/2021</a:t>
             </a:fld>
             <a:endParaRPr lang="en-US"/>
           </a:p>
@@ -1403,7 +1403,7 @@
           <a:p>
             <a:fld id="{B386B21A-7B5C-4286-8EA3-7E4B6FA8A380}" type="datetimeFigureOut">
               <a:rPr lang="en-US" smtClean="0"/>
-              <a:t>6/21/2021</a:t>
+              <a:t>7/5/2021</a:t>
             </a:fld>
             <a:endParaRPr lang="en-US"/>
           </a:p>
@@ -1815,7 +1815,7 @@
           <a:p>
             <a:fld id="{B386B21A-7B5C-4286-8EA3-7E4B6FA8A380}" type="datetimeFigureOut">
               <a:rPr lang="en-US" smtClean="0"/>
-              <a:t>6/21/2021</a:t>
+              <a:t>7/5/2021</a:t>
             </a:fld>
             <a:endParaRPr lang="en-US"/>
           </a:p>
@@ -1956,7 +1956,7 @@
           <a:p>
             <a:fld id="{B386B21A-7B5C-4286-8EA3-7E4B6FA8A380}" type="datetimeFigureOut">
               <a:rPr lang="en-US" smtClean="0"/>
-              <a:t>6/21/2021</a:t>
+              <a:t>7/5/2021</a:t>
             </a:fld>
             <a:endParaRPr lang="en-US"/>
           </a:p>
@@ -2069,7 +2069,7 @@
           <a:p>
             <a:fld id="{B386B21A-7B5C-4286-8EA3-7E4B6FA8A380}" type="datetimeFigureOut">
               <a:rPr lang="en-US" smtClean="0"/>
-              <a:t>6/21/2021</a:t>
+              <a:t>7/5/2021</a:t>
             </a:fld>
             <a:endParaRPr lang="en-US"/>
           </a:p>
@@ -2380,7 +2380,7 @@
           <a:p>
             <a:fld id="{B386B21A-7B5C-4286-8EA3-7E4B6FA8A380}" type="datetimeFigureOut">
               <a:rPr lang="en-US" smtClean="0"/>
-              <a:t>6/21/2021</a:t>
+              <a:t>7/5/2021</a:t>
             </a:fld>
             <a:endParaRPr lang="en-US"/>
           </a:p>
@@ -2668,7 +2668,7 @@
           <a:p>
             <a:fld id="{B386B21A-7B5C-4286-8EA3-7E4B6FA8A380}" type="datetimeFigureOut">
               <a:rPr lang="en-US" smtClean="0"/>
-              <a:t>6/21/2021</a:t>
+              <a:t>7/5/2021</a:t>
             </a:fld>
             <a:endParaRPr lang="en-US"/>
           </a:p>
@@ -2909,7 +2909,7 @@
           <a:p>
             <a:fld id="{B386B21A-7B5C-4286-8EA3-7E4B6FA8A380}" type="datetimeFigureOut">
               <a:rPr lang="en-US" smtClean="0"/>
-              <a:t>6/21/2021</a:t>
+              <a:t>7/5/2021</a:t>
             </a:fld>
             <a:endParaRPr lang="en-US"/>
           </a:p>
@@ -3401,7 +3401,7 @@
         <p:spPr>
           <a:xfrm>
             <a:off x="378207" y="1933682"/>
-            <a:ext cx="2684589" cy="369332"/>
+            <a:ext cx="2684589" cy="538609"/>
           </a:xfrm>
           <a:prstGeom prst="rect">
             <a:avLst/>
@@ -3417,6 +3417,16 @@
           <a:lstStyle/>
           <a:p>
             <a:r>
+              <a:rPr lang="en-US" dirty="0">
+                <a:solidFill>
+                  <a:schemeClr val="bg1"/>
+                </a:solidFill>
+                <a:latin typeface="Microsoft JhengHei UI" panose="020B0604030504040204" pitchFamily="34" charset="-120"/>
+                <a:ea typeface="Microsoft JhengHei UI" panose="020B0604030504040204" pitchFamily="34" charset="-120"/>
+              </a:rPr>
+              <a:t>Assimp/</a:t>
+            </a:r>
+            <a:r>
               <a:rPr lang="en-US" dirty="0" err="1">
                 <a:solidFill>
                   <a:schemeClr val="bg1"/>
@@ -3426,6 +3436,15 @@
               </a:rPr>
               <a:t>tinyobjloader</a:t>
             </a:r>
+            <a:endParaRPr lang="en-US" dirty="0">
+              <a:solidFill>
+                <a:schemeClr val="bg1"/>
+              </a:solidFill>
+              <a:latin typeface="Microsoft JhengHei UI" panose="020B0604030504040204" pitchFamily="34" charset="-120"/>
+              <a:ea typeface="Microsoft JhengHei UI" panose="020B0604030504040204" pitchFamily="34" charset="-120"/>
+            </a:endParaRPr>
+          </a:p>
+          <a:p>
             <a:r>
               <a:rPr lang="en-US" sz="1100" dirty="0">
                 <a:solidFill>

--- a/Project Structure.pptx
+++ b/Project Structure.pptx
@@ -259,7 +259,7 @@
           <a:p>
             <a:fld id="{B386B21A-7B5C-4286-8EA3-7E4B6FA8A380}" type="datetimeFigureOut">
               <a:rPr lang="en-US" smtClean="0"/>
-              <a:t>7/5/2021</a:t>
+              <a:t>8/28/2021</a:t>
             </a:fld>
             <a:endParaRPr lang="en-US"/>
           </a:p>
@@ -457,7 +457,7 @@
           <a:p>
             <a:fld id="{B386B21A-7B5C-4286-8EA3-7E4B6FA8A380}" type="datetimeFigureOut">
               <a:rPr lang="en-US" smtClean="0"/>
-              <a:t>7/5/2021</a:t>
+              <a:t>8/28/2021</a:t>
             </a:fld>
             <a:endParaRPr lang="en-US"/>
           </a:p>
@@ -665,7 +665,7 @@
           <a:p>
             <a:fld id="{B386B21A-7B5C-4286-8EA3-7E4B6FA8A380}" type="datetimeFigureOut">
               <a:rPr lang="en-US" smtClean="0"/>
-              <a:t>7/5/2021</a:t>
+              <a:t>8/28/2021</a:t>
             </a:fld>
             <a:endParaRPr lang="en-US"/>
           </a:p>
@@ -863,7 +863,7 @@
           <a:p>
             <a:fld id="{B386B21A-7B5C-4286-8EA3-7E4B6FA8A380}" type="datetimeFigureOut">
               <a:rPr lang="en-US" smtClean="0"/>
-              <a:t>7/5/2021</a:t>
+              <a:t>8/28/2021</a:t>
             </a:fld>
             <a:endParaRPr lang="en-US"/>
           </a:p>
@@ -1138,7 +1138,7 @@
           <a:p>
             <a:fld id="{B386B21A-7B5C-4286-8EA3-7E4B6FA8A380}" type="datetimeFigureOut">
               <a:rPr lang="en-US" smtClean="0"/>
-              <a:t>7/5/2021</a:t>
+              <a:t>8/28/2021</a:t>
             </a:fld>
             <a:endParaRPr lang="en-US"/>
           </a:p>
@@ -1403,7 +1403,7 @@
           <a:p>
             <a:fld id="{B386B21A-7B5C-4286-8EA3-7E4B6FA8A380}" type="datetimeFigureOut">
               <a:rPr lang="en-US" smtClean="0"/>
-              <a:t>7/5/2021</a:t>
+              <a:t>8/28/2021</a:t>
             </a:fld>
             <a:endParaRPr lang="en-US"/>
           </a:p>
@@ -1815,7 +1815,7 @@
           <a:p>
             <a:fld id="{B386B21A-7B5C-4286-8EA3-7E4B6FA8A380}" type="datetimeFigureOut">
               <a:rPr lang="en-US" smtClean="0"/>
-              <a:t>7/5/2021</a:t>
+              <a:t>8/28/2021</a:t>
             </a:fld>
             <a:endParaRPr lang="en-US"/>
           </a:p>
@@ -1956,7 +1956,7 @@
           <a:p>
             <a:fld id="{B386B21A-7B5C-4286-8EA3-7E4B6FA8A380}" type="datetimeFigureOut">
               <a:rPr lang="en-US" smtClean="0"/>
-              <a:t>7/5/2021</a:t>
+              <a:t>8/28/2021</a:t>
             </a:fld>
             <a:endParaRPr lang="en-US"/>
           </a:p>
@@ -2069,7 +2069,7 @@
           <a:p>
             <a:fld id="{B386B21A-7B5C-4286-8EA3-7E4B6FA8A380}" type="datetimeFigureOut">
               <a:rPr lang="en-US" smtClean="0"/>
-              <a:t>7/5/2021</a:t>
+              <a:t>8/28/2021</a:t>
             </a:fld>
             <a:endParaRPr lang="en-US"/>
           </a:p>
@@ -2380,7 +2380,7 @@
           <a:p>
             <a:fld id="{B386B21A-7B5C-4286-8EA3-7E4B6FA8A380}" type="datetimeFigureOut">
               <a:rPr lang="en-US" smtClean="0"/>
-              <a:t>7/5/2021</a:t>
+              <a:t>8/28/2021</a:t>
             </a:fld>
             <a:endParaRPr lang="en-US"/>
           </a:p>
@@ -2668,7 +2668,7 @@
           <a:p>
             <a:fld id="{B386B21A-7B5C-4286-8EA3-7E4B6FA8A380}" type="datetimeFigureOut">
               <a:rPr lang="en-US" smtClean="0"/>
-              <a:t>7/5/2021</a:t>
+              <a:t>8/28/2021</a:t>
             </a:fld>
             <a:endParaRPr lang="en-US"/>
           </a:p>
@@ -2909,7 +2909,7 @@
           <a:p>
             <a:fld id="{B386B21A-7B5C-4286-8EA3-7E4B6FA8A380}" type="datetimeFigureOut">
               <a:rPr lang="en-US" smtClean="0"/>
-              <a:t>7/5/2021</a:t>
+              <a:t>8/28/2021</a:t>
             </a:fld>
             <a:endParaRPr lang="en-US"/>
           </a:p>
@@ -3843,15 +3843,22 @@
           <a:lstStyle/>
           <a:p>
             <a:r>
-              <a:rPr lang="en-US" dirty="0">
+              <a:rPr lang="en-US" dirty="0" err="1">
                 <a:solidFill>
                   <a:schemeClr val="bg1"/>
                 </a:solidFill>
                 <a:latin typeface="Microsoft JhengHei UI" panose="020B0604030504040204" pitchFamily="34" charset="-120"/>
                 <a:ea typeface="Microsoft JhengHei UI" panose="020B0604030504040204" pitchFamily="34" charset="-120"/>
               </a:rPr>
-              <a:t>Ray Tracer Facility</a:t>
-            </a:r>
+              <a:t>RayTracerFacility</a:t>
+            </a:r>
+            <a:endParaRPr lang="en-US" dirty="0">
+              <a:solidFill>
+                <a:schemeClr val="bg1"/>
+              </a:solidFill>
+              <a:latin typeface="Microsoft JhengHei UI" panose="020B0604030504040204" pitchFamily="34" charset="-120"/>
+              <a:ea typeface="Microsoft JhengHei UI" panose="020B0604030504040204" pitchFamily="34" charset="-120"/>
+            </a:endParaRPr>
           </a:p>
           <a:p>
             <a:pPr marL="228600" indent="-228600">
@@ -3946,15 +3953,22 @@
           <a:lstStyle/>
           <a:p>
             <a:r>
-              <a:rPr lang="en-US" dirty="0">
+              <a:rPr lang="en-US" dirty="0" err="1">
                 <a:solidFill>
                   <a:schemeClr val="bg1"/>
                 </a:solidFill>
                 <a:latin typeface="Microsoft JhengHei UI" panose="020B0604030504040204" pitchFamily="34" charset="-120"/>
                 <a:ea typeface="Microsoft JhengHei UI" panose="020B0604030504040204" pitchFamily="34" charset="-120"/>
               </a:rPr>
-              <a:t>Plant Factory</a:t>
-            </a:r>
+              <a:t>SorghumFactory</a:t>
+            </a:r>
+            <a:endParaRPr lang="en-US" dirty="0">
+              <a:solidFill>
+                <a:schemeClr val="bg1"/>
+              </a:solidFill>
+              <a:latin typeface="Microsoft JhengHei UI" panose="020B0604030504040204" pitchFamily="34" charset="-120"/>
+              <a:ea typeface="Microsoft JhengHei UI" panose="020B0604030504040204" pitchFamily="34" charset="-120"/>
+            </a:endParaRPr>
           </a:p>
           <a:p>
             <a:pPr marL="228600" indent="-228600">
@@ -4192,7 +4206,7 @@
         </p:nvSpPr>
         <p:spPr>
           <a:xfrm>
-            <a:off x="9172483" y="3286472"/>
+            <a:off x="9172483" y="3296767"/>
             <a:ext cx="1794769" cy="549521"/>
           </a:xfrm>
           <a:prstGeom prst="roundRect">
@@ -4225,7 +4239,7 @@
             <a:pPr algn="ctr"/>
             <a:r>
               <a:rPr lang="en-US" dirty="0"/>
-              <a:t>SorghumMLVQ</a:t>
+              <a:t>Application</a:t>
             </a:r>
           </a:p>
           <a:p>

--- a/Project Structure.pptx
+++ b/Project Structure.pptx
@@ -6,6 +6,7 @@
   </p:sldMasterIdLst>
   <p:sldIdLst>
     <p:sldId id="256" r:id="rId2"/>
+    <p:sldId id="257" r:id="rId3"/>
   </p:sldIdLst>
   <p:sldSz cx="12192000" cy="6858000"/>
   <p:notesSz cx="6858000" cy="9144000"/>
@@ -259,7 +260,7 @@
           <a:p>
             <a:fld id="{B386B21A-7B5C-4286-8EA3-7E4B6FA8A380}" type="datetimeFigureOut">
               <a:rPr lang="en-US" smtClean="0"/>
-              <a:t>8/28/2021</a:t>
+              <a:t>3/18/2022</a:t>
             </a:fld>
             <a:endParaRPr lang="en-US"/>
           </a:p>
@@ -457,7 +458,7 @@
           <a:p>
             <a:fld id="{B386B21A-7B5C-4286-8EA3-7E4B6FA8A380}" type="datetimeFigureOut">
               <a:rPr lang="en-US" smtClean="0"/>
-              <a:t>8/28/2021</a:t>
+              <a:t>3/18/2022</a:t>
             </a:fld>
             <a:endParaRPr lang="en-US"/>
           </a:p>
@@ -665,7 +666,7 @@
           <a:p>
             <a:fld id="{B386B21A-7B5C-4286-8EA3-7E4B6FA8A380}" type="datetimeFigureOut">
               <a:rPr lang="en-US" smtClean="0"/>
-              <a:t>8/28/2021</a:t>
+              <a:t>3/18/2022</a:t>
             </a:fld>
             <a:endParaRPr lang="en-US"/>
           </a:p>
@@ -863,7 +864,7 @@
           <a:p>
             <a:fld id="{B386B21A-7B5C-4286-8EA3-7E4B6FA8A380}" type="datetimeFigureOut">
               <a:rPr lang="en-US" smtClean="0"/>
-              <a:t>8/28/2021</a:t>
+              <a:t>3/18/2022</a:t>
             </a:fld>
             <a:endParaRPr lang="en-US"/>
           </a:p>
@@ -1138,7 +1139,7 @@
           <a:p>
             <a:fld id="{B386B21A-7B5C-4286-8EA3-7E4B6FA8A380}" type="datetimeFigureOut">
               <a:rPr lang="en-US" smtClean="0"/>
-              <a:t>8/28/2021</a:t>
+              <a:t>3/18/2022</a:t>
             </a:fld>
             <a:endParaRPr lang="en-US"/>
           </a:p>
@@ -1403,7 +1404,7 @@
           <a:p>
             <a:fld id="{B386B21A-7B5C-4286-8EA3-7E4B6FA8A380}" type="datetimeFigureOut">
               <a:rPr lang="en-US" smtClean="0"/>
-              <a:t>8/28/2021</a:t>
+              <a:t>3/18/2022</a:t>
             </a:fld>
             <a:endParaRPr lang="en-US"/>
           </a:p>
@@ -1815,7 +1816,7 @@
           <a:p>
             <a:fld id="{B386B21A-7B5C-4286-8EA3-7E4B6FA8A380}" type="datetimeFigureOut">
               <a:rPr lang="en-US" smtClean="0"/>
-              <a:t>8/28/2021</a:t>
+              <a:t>3/18/2022</a:t>
             </a:fld>
             <a:endParaRPr lang="en-US"/>
           </a:p>
@@ -1956,7 +1957,7 @@
           <a:p>
             <a:fld id="{B386B21A-7B5C-4286-8EA3-7E4B6FA8A380}" type="datetimeFigureOut">
               <a:rPr lang="en-US" smtClean="0"/>
-              <a:t>8/28/2021</a:t>
+              <a:t>3/18/2022</a:t>
             </a:fld>
             <a:endParaRPr lang="en-US"/>
           </a:p>
@@ -2069,7 +2070,7 @@
           <a:p>
             <a:fld id="{B386B21A-7B5C-4286-8EA3-7E4B6FA8A380}" type="datetimeFigureOut">
               <a:rPr lang="en-US" smtClean="0"/>
-              <a:t>8/28/2021</a:t>
+              <a:t>3/18/2022</a:t>
             </a:fld>
             <a:endParaRPr lang="en-US"/>
           </a:p>
@@ -2380,7 +2381,7 @@
           <a:p>
             <a:fld id="{B386B21A-7B5C-4286-8EA3-7E4B6FA8A380}" type="datetimeFigureOut">
               <a:rPr lang="en-US" smtClean="0"/>
-              <a:t>8/28/2021</a:t>
+              <a:t>3/18/2022</a:t>
             </a:fld>
             <a:endParaRPr lang="en-US"/>
           </a:p>
@@ -2668,7 +2669,7 @@
           <a:p>
             <a:fld id="{B386B21A-7B5C-4286-8EA3-7E4B6FA8A380}" type="datetimeFigureOut">
               <a:rPr lang="en-US" smtClean="0"/>
-              <a:t>8/28/2021</a:t>
+              <a:t>3/18/2022</a:t>
             </a:fld>
             <a:endParaRPr lang="en-US"/>
           </a:p>
@@ -2909,7 +2910,7 @@
           <a:p>
             <a:fld id="{B386B21A-7B5C-4286-8EA3-7E4B6FA8A380}" type="datetimeFigureOut">
               <a:rPr lang="en-US" smtClean="0"/>
-              <a:t>8/28/2021</a:t>
+              <a:t>3/18/2022</a:t>
             </a:fld>
             <a:endParaRPr lang="en-US"/>
           </a:p>
@@ -4499,6 +4500,1928 @@
 </p:sld>
 </file>
 
+<file path=ppt/slides/slide2.xml><?xml version="1.0" encoding="utf-8"?>
+<p:sld xmlns:a="http://schemas.openxmlformats.org/drawingml/2006/main" xmlns:r="http://schemas.openxmlformats.org/officeDocument/2006/relationships" xmlns:p="http://schemas.openxmlformats.org/presentationml/2006/main">
+  <p:cSld>
+    <p:spTree>
+      <p:nvGrpSpPr>
+        <p:cNvPr id="1" name=""/>
+        <p:cNvGrpSpPr/>
+        <p:nvPr/>
+      </p:nvGrpSpPr>
+      <p:grpSpPr>
+        <a:xfrm>
+          <a:off x="0" y="0"/>
+          <a:ext cx="0" cy="0"/>
+          <a:chOff x="0" y="0"/>
+          <a:chExt cx="0" cy="0"/>
+        </a:xfrm>
+      </p:grpSpPr>
+      <p:sp>
+        <p:nvSpPr>
+          <p:cNvPr id="14" name="TextBox 13">
+            <a:extLst>
+              <a:ext uri="{FF2B5EF4-FFF2-40B4-BE49-F238E27FC236}">
+                <a16:creationId xmlns:a16="http://schemas.microsoft.com/office/drawing/2014/main" id="{CA88EC4D-B552-4D92-9C6F-3EB237388099}"/>
+              </a:ext>
+            </a:extLst>
+          </p:cNvPr>
+          <p:cNvSpPr txBox="1"/>
+          <p:nvPr/>
+        </p:nvSpPr>
+        <p:spPr>
+          <a:xfrm>
+            <a:off x="3959146" y="1545479"/>
+            <a:ext cx="3125597" cy="2215991"/>
+          </a:xfrm>
+          <a:prstGeom prst="rect">
+            <a:avLst/>
+          </a:prstGeom>
+          <a:solidFill>
+            <a:srgbClr val="7030A0"/>
+          </a:solidFill>
+        </p:spPr>
+        <p:txBody>
+          <a:bodyPr wrap="square" rtlCol="0">
+            <a:spAutoFit/>
+          </a:bodyPr>
+          <a:lstStyle/>
+          <a:p>
+            <a:pPr algn="ctr"/>
+            <a:r>
+              <a:rPr lang="en-US" dirty="0">
+                <a:solidFill>
+                  <a:schemeClr val="bg1"/>
+                </a:solidFill>
+                <a:latin typeface="Microsoft JhengHei UI" panose="020B0604030504040204" pitchFamily="34" charset="-120"/>
+                <a:ea typeface="Microsoft JhengHei UI" panose="020B0604030504040204" pitchFamily="34" charset="-120"/>
+              </a:rPr>
+              <a:t>Procedural Sorghum</a:t>
+            </a:r>
+            <a:endParaRPr lang="en-US" sz="1200" dirty="0">
+              <a:solidFill>
+                <a:schemeClr val="bg1"/>
+              </a:solidFill>
+              <a:latin typeface="Microsoft JhengHei UI" panose="020B0604030504040204" pitchFamily="34" charset="-120"/>
+              <a:ea typeface="Microsoft JhengHei UI" panose="020B0604030504040204" pitchFamily="34" charset="-120"/>
+            </a:endParaRPr>
+          </a:p>
+          <a:p>
+            <a:endParaRPr lang="en-US" sz="1200" dirty="0">
+              <a:solidFill>
+                <a:schemeClr val="bg1"/>
+              </a:solidFill>
+              <a:latin typeface="Microsoft JhengHei UI" panose="020B0604030504040204" pitchFamily="34" charset="-120"/>
+              <a:ea typeface="Microsoft JhengHei UI" panose="020B0604030504040204" pitchFamily="34" charset="-120"/>
+            </a:endParaRPr>
+          </a:p>
+          <a:p>
+            <a:endParaRPr lang="en-US" sz="1200" dirty="0">
+              <a:solidFill>
+                <a:schemeClr val="bg1"/>
+              </a:solidFill>
+              <a:latin typeface="Microsoft JhengHei UI" panose="020B0604030504040204" pitchFamily="34" charset="-120"/>
+              <a:ea typeface="Microsoft JhengHei UI" panose="020B0604030504040204" pitchFamily="34" charset="-120"/>
+            </a:endParaRPr>
+          </a:p>
+          <a:p>
+            <a:endParaRPr lang="en-US" sz="1200" dirty="0">
+              <a:solidFill>
+                <a:schemeClr val="bg1"/>
+              </a:solidFill>
+              <a:latin typeface="Microsoft JhengHei UI" panose="020B0604030504040204" pitchFamily="34" charset="-120"/>
+              <a:ea typeface="Microsoft JhengHei UI" panose="020B0604030504040204" pitchFamily="34" charset="-120"/>
+            </a:endParaRPr>
+          </a:p>
+          <a:p>
+            <a:endParaRPr lang="en-US" sz="1200" dirty="0">
+              <a:solidFill>
+                <a:schemeClr val="bg1"/>
+              </a:solidFill>
+              <a:latin typeface="Microsoft JhengHei UI" panose="020B0604030504040204" pitchFamily="34" charset="-120"/>
+              <a:ea typeface="Microsoft JhengHei UI" panose="020B0604030504040204" pitchFamily="34" charset="-120"/>
+            </a:endParaRPr>
+          </a:p>
+          <a:p>
+            <a:endParaRPr lang="en-US" sz="1200" dirty="0">
+              <a:solidFill>
+                <a:schemeClr val="bg1"/>
+              </a:solidFill>
+              <a:latin typeface="Microsoft JhengHei UI" panose="020B0604030504040204" pitchFamily="34" charset="-120"/>
+              <a:ea typeface="Microsoft JhengHei UI" panose="020B0604030504040204" pitchFamily="34" charset="-120"/>
+            </a:endParaRPr>
+          </a:p>
+          <a:p>
+            <a:endParaRPr lang="en-US" sz="1200" dirty="0">
+              <a:solidFill>
+                <a:schemeClr val="bg1"/>
+              </a:solidFill>
+              <a:latin typeface="Microsoft JhengHei UI" panose="020B0604030504040204" pitchFamily="34" charset="-120"/>
+              <a:ea typeface="Microsoft JhengHei UI" panose="020B0604030504040204" pitchFamily="34" charset="-120"/>
+            </a:endParaRPr>
+          </a:p>
+          <a:p>
+            <a:endParaRPr lang="en-US" sz="1200" dirty="0">
+              <a:solidFill>
+                <a:schemeClr val="bg1"/>
+              </a:solidFill>
+              <a:latin typeface="Microsoft JhengHei UI" panose="020B0604030504040204" pitchFamily="34" charset="-120"/>
+              <a:ea typeface="Microsoft JhengHei UI" panose="020B0604030504040204" pitchFamily="34" charset="-120"/>
+            </a:endParaRPr>
+          </a:p>
+          <a:p>
+            <a:endParaRPr lang="en-US" sz="1200" dirty="0">
+              <a:solidFill>
+                <a:schemeClr val="bg1"/>
+              </a:solidFill>
+              <a:latin typeface="Microsoft JhengHei UI" panose="020B0604030504040204" pitchFamily="34" charset="-120"/>
+              <a:ea typeface="Microsoft JhengHei UI" panose="020B0604030504040204" pitchFamily="34" charset="-120"/>
+            </a:endParaRPr>
+          </a:p>
+          <a:p>
+            <a:endParaRPr lang="en-US" sz="1200" dirty="0">
+              <a:solidFill>
+                <a:schemeClr val="bg1"/>
+              </a:solidFill>
+              <a:latin typeface="Microsoft JhengHei UI" panose="020B0604030504040204" pitchFamily="34" charset="-120"/>
+              <a:ea typeface="Microsoft JhengHei UI" panose="020B0604030504040204" pitchFamily="34" charset="-120"/>
+            </a:endParaRPr>
+          </a:p>
+          <a:p>
+            <a:endParaRPr lang="en-US" sz="1200" dirty="0">
+              <a:solidFill>
+                <a:schemeClr val="bg1"/>
+              </a:solidFill>
+              <a:latin typeface="Microsoft JhengHei UI" panose="020B0604030504040204" pitchFamily="34" charset="-120"/>
+              <a:ea typeface="Microsoft JhengHei UI" panose="020B0604030504040204" pitchFamily="34" charset="-120"/>
+            </a:endParaRPr>
+          </a:p>
+        </p:txBody>
+      </p:sp>
+      <p:sp>
+        <p:nvSpPr>
+          <p:cNvPr id="4" name="TextBox 3">
+            <a:extLst>
+              <a:ext uri="{FF2B5EF4-FFF2-40B4-BE49-F238E27FC236}">
+                <a16:creationId xmlns:a16="http://schemas.microsoft.com/office/drawing/2014/main" id="{803EE687-84B4-4645-BF8A-9FBC3C2E0D9A}"/>
+              </a:ext>
+            </a:extLst>
+          </p:cNvPr>
+          <p:cNvSpPr txBox="1"/>
+          <p:nvPr/>
+        </p:nvSpPr>
+        <p:spPr>
+          <a:xfrm>
+            <a:off x="4166602" y="1952732"/>
+            <a:ext cx="1806193" cy="338554"/>
+          </a:xfrm>
+          <a:prstGeom prst="rect">
+            <a:avLst/>
+          </a:prstGeom>
+          <a:solidFill>
+            <a:schemeClr val="accent1"/>
+          </a:solidFill>
+        </p:spPr>
+        <p:txBody>
+          <a:bodyPr wrap="square" rtlCol="0">
+            <a:spAutoFit/>
+          </a:bodyPr>
+          <a:lstStyle/>
+          <a:p>
+            <a:r>
+              <a:rPr lang="en-US" sz="1600" dirty="0">
+                <a:solidFill>
+                  <a:schemeClr val="bg1"/>
+                </a:solidFill>
+                <a:latin typeface="Microsoft JhengHei UI" panose="020B0604030504040204" pitchFamily="34" charset="-120"/>
+                <a:ea typeface="Microsoft JhengHei UI" panose="020B0604030504040204" pitchFamily="34" charset="-120"/>
+              </a:rPr>
+              <a:t>Sorghum State</a:t>
+            </a:r>
+          </a:p>
+        </p:txBody>
+      </p:sp>
+      <p:sp>
+        <p:nvSpPr>
+          <p:cNvPr id="5" name="TextBox 4">
+            <a:extLst>
+              <a:ext uri="{FF2B5EF4-FFF2-40B4-BE49-F238E27FC236}">
+                <a16:creationId xmlns:a16="http://schemas.microsoft.com/office/drawing/2014/main" id="{161BC386-967C-442A-993D-0C79E2A36D2E}"/>
+              </a:ext>
+            </a:extLst>
+          </p:cNvPr>
+          <p:cNvSpPr txBox="1"/>
+          <p:nvPr/>
+        </p:nvSpPr>
+        <p:spPr>
+          <a:xfrm>
+            <a:off x="5972795" y="1952732"/>
+            <a:ext cx="908974" cy="369332"/>
+          </a:xfrm>
+          <a:prstGeom prst="rect">
+            <a:avLst/>
+          </a:prstGeom>
+          <a:solidFill>
+            <a:schemeClr val="accent2"/>
+          </a:solidFill>
+        </p:spPr>
+        <p:txBody>
+          <a:bodyPr wrap="square" rtlCol="0">
+            <a:spAutoFit/>
+          </a:bodyPr>
+          <a:lstStyle/>
+          <a:p>
+            <a:r>
+              <a:rPr lang="en-US" dirty="0">
+                <a:solidFill>
+                  <a:schemeClr val="bg1"/>
+                </a:solidFill>
+                <a:latin typeface="Microsoft JhengHei UI" panose="020B0604030504040204" pitchFamily="34" charset="-120"/>
+                <a:ea typeface="Microsoft JhengHei UI" panose="020B0604030504040204" pitchFamily="34" charset="-120"/>
+              </a:rPr>
+              <a:t>T=0.0</a:t>
+            </a:r>
+          </a:p>
+        </p:txBody>
+      </p:sp>
+      <p:sp>
+        <p:nvSpPr>
+          <p:cNvPr id="6" name="TextBox 5">
+            <a:extLst>
+              <a:ext uri="{FF2B5EF4-FFF2-40B4-BE49-F238E27FC236}">
+                <a16:creationId xmlns:a16="http://schemas.microsoft.com/office/drawing/2014/main" id="{B03A1C96-7271-43B3-8851-8B67B6A3C5CD}"/>
+              </a:ext>
+            </a:extLst>
+          </p:cNvPr>
+          <p:cNvSpPr txBox="1"/>
+          <p:nvPr/>
+        </p:nvSpPr>
+        <p:spPr>
+          <a:xfrm>
+            <a:off x="4166602" y="2371832"/>
+            <a:ext cx="1806193" cy="338554"/>
+          </a:xfrm>
+          <a:prstGeom prst="rect">
+            <a:avLst/>
+          </a:prstGeom>
+          <a:solidFill>
+            <a:schemeClr val="accent1"/>
+          </a:solidFill>
+        </p:spPr>
+        <p:txBody>
+          <a:bodyPr wrap="square" rtlCol="0">
+            <a:spAutoFit/>
+          </a:bodyPr>
+          <a:lstStyle/>
+          <a:p>
+            <a:r>
+              <a:rPr lang="en-US" sz="1600" dirty="0">
+                <a:solidFill>
+                  <a:schemeClr val="bg1"/>
+                </a:solidFill>
+                <a:latin typeface="Microsoft JhengHei UI" panose="020B0604030504040204" pitchFamily="34" charset="-120"/>
+                <a:ea typeface="Microsoft JhengHei UI" panose="020B0604030504040204" pitchFamily="34" charset="-120"/>
+              </a:rPr>
+              <a:t>Sorghum State</a:t>
+            </a:r>
+          </a:p>
+        </p:txBody>
+      </p:sp>
+      <p:sp>
+        <p:nvSpPr>
+          <p:cNvPr id="7" name="TextBox 6">
+            <a:extLst>
+              <a:ext uri="{FF2B5EF4-FFF2-40B4-BE49-F238E27FC236}">
+                <a16:creationId xmlns:a16="http://schemas.microsoft.com/office/drawing/2014/main" id="{131FEE51-4F97-4999-98E2-518D85950457}"/>
+              </a:ext>
+            </a:extLst>
+          </p:cNvPr>
+          <p:cNvSpPr txBox="1"/>
+          <p:nvPr/>
+        </p:nvSpPr>
+        <p:spPr>
+          <a:xfrm>
+            <a:off x="5972795" y="2371832"/>
+            <a:ext cx="908974" cy="369332"/>
+          </a:xfrm>
+          <a:prstGeom prst="rect">
+            <a:avLst/>
+          </a:prstGeom>
+          <a:solidFill>
+            <a:schemeClr val="accent2"/>
+          </a:solidFill>
+        </p:spPr>
+        <p:txBody>
+          <a:bodyPr wrap="square" rtlCol="0">
+            <a:spAutoFit/>
+          </a:bodyPr>
+          <a:lstStyle/>
+          <a:p>
+            <a:r>
+              <a:rPr lang="en-US" dirty="0">
+                <a:solidFill>
+                  <a:schemeClr val="bg1"/>
+                </a:solidFill>
+                <a:latin typeface="Microsoft JhengHei UI" panose="020B0604030504040204" pitchFamily="34" charset="-120"/>
+                <a:ea typeface="Microsoft JhengHei UI" panose="020B0604030504040204" pitchFamily="34" charset="-120"/>
+              </a:rPr>
+              <a:t>T=1.0</a:t>
+            </a:r>
+          </a:p>
+        </p:txBody>
+      </p:sp>
+      <p:sp>
+        <p:nvSpPr>
+          <p:cNvPr id="8" name="TextBox 7">
+            <a:extLst>
+              <a:ext uri="{FF2B5EF4-FFF2-40B4-BE49-F238E27FC236}">
+                <a16:creationId xmlns:a16="http://schemas.microsoft.com/office/drawing/2014/main" id="{D6A76B0C-9262-4EAD-A463-70A9683ED34D}"/>
+              </a:ext>
+            </a:extLst>
+          </p:cNvPr>
+          <p:cNvSpPr txBox="1"/>
+          <p:nvPr/>
+        </p:nvSpPr>
+        <p:spPr>
+          <a:xfrm>
+            <a:off x="4166602" y="2790932"/>
+            <a:ext cx="1806193" cy="338554"/>
+          </a:xfrm>
+          <a:prstGeom prst="rect">
+            <a:avLst/>
+          </a:prstGeom>
+          <a:solidFill>
+            <a:schemeClr val="accent1"/>
+          </a:solidFill>
+        </p:spPr>
+        <p:txBody>
+          <a:bodyPr wrap="square" rtlCol="0">
+            <a:spAutoFit/>
+          </a:bodyPr>
+          <a:lstStyle/>
+          <a:p>
+            <a:r>
+              <a:rPr lang="en-US" sz="1600" dirty="0">
+                <a:solidFill>
+                  <a:schemeClr val="bg1"/>
+                </a:solidFill>
+                <a:latin typeface="Microsoft JhengHei UI" panose="020B0604030504040204" pitchFamily="34" charset="-120"/>
+                <a:ea typeface="Microsoft JhengHei UI" panose="020B0604030504040204" pitchFamily="34" charset="-120"/>
+              </a:rPr>
+              <a:t>Sorghum State</a:t>
+            </a:r>
+          </a:p>
+        </p:txBody>
+      </p:sp>
+      <p:sp>
+        <p:nvSpPr>
+          <p:cNvPr id="9" name="TextBox 8">
+            <a:extLst>
+              <a:ext uri="{FF2B5EF4-FFF2-40B4-BE49-F238E27FC236}">
+                <a16:creationId xmlns:a16="http://schemas.microsoft.com/office/drawing/2014/main" id="{0F578B15-5FBD-4EEC-8D1F-0296866BF86B}"/>
+              </a:ext>
+            </a:extLst>
+          </p:cNvPr>
+          <p:cNvSpPr txBox="1"/>
+          <p:nvPr/>
+        </p:nvSpPr>
+        <p:spPr>
+          <a:xfrm>
+            <a:off x="5972795" y="2790932"/>
+            <a:ext cx="908974" cy="369332"/>
+          </a:xfrm>
+          <a:prstGeom prst="rect">
+            <a:avLst/>
+          </a:prstGeom>
+          <a:solidFill>
+            <a:schemeClr val="accent2"/>
+          </a:solidFill>
+        </p:spPr>
+        <p:txBody>
+          <a:bodyPr wrap="square" rtlCol="0">
+            <a:spAutoFit/>
+          </a:bodyPr>
+          <a:lstStyle/>
+          <a:p>
+            <a:r>
+              <a:rPr lang="en-US" dirty="0">
+                <a:solidFill>
+                  <a:schemeClr val="bg1"/>
+                </a:solidFill>
+                <a:latin typeface="Microsoft JhengHei UI" panose="020B0604030504040204" pitchFamily="34" charset="-120"/>
+                <a:ea typeface="Microsoft JhengHei UI" panose="020B0604030504040204" pitchFamily="34" charset="-120"/>
+              </a:rPr>
+              <a:t>T=3.0</a:t>
+            </a:r>
+          </a:p>
+        </p:txBody>
+      </p:sp>
+      <p:sp>
+        <p:nvSpPr>
+          <p:cNvPr id="10" name="TextBox 9">
+            <a:extLst>
+              <a:ext uri="{FF2B5EF4-FFF2-40B4-BE49-F238E27FC236}">
+                <a16:creationId xmlns:a16="http://schemas.microsoft.com/office/drawing/2014/main" id="{9FFEF9A1-051A-499B-B747-927E4D55C1B2}"/>
+              </a:ext>
+            </a:extLst>
+          </p:cNvPr>
+          <p:cNvSpPr txBox="1"/>
+          <p:nvPr/>
+        </p:nvSpPr>
+        <p:spPr>
+          <a:xfrm>
+            <a:off x="4166602" y="3206964"/>
+            <a:ext cx="1806193" cy="338554"/>
+          </a:xfrm>
+          <a:prstGeom prst="rect">
+            <a:avLst/>
+          </a:prstGeom>
+          <a:solidFill>
+            <a:schemeClr val="accent1"/>
+          </a:solidFill>
+        </p:spPr>
+        <p:txBody>
+          <a:bodyPr wrap="square" rtlCol="0">
+            <a:spAutoFit/>
+          </a:bodyPr>
+          <a:lstStyle/>
+          <a:p>
+            <a:r>
+              <a:rPr lang="en-US" sz="1600" dirty="0">
+                <a:solidFill>
+                  <a:schemeClr val="bg1"/>
+                </a:solidFill>
+                <a:latin typeface="Microsoft JhengHei UI" panose="020B0604030504040204" pitchFamily="34" charset="-120"/>
+                <a:ea typeface="Microsoft JhengHei UI" panose="020B0604030504040204" pitchFamily="34" charset="-120"/>
+              </a:rPr>
+              <a:t>Sorghum State</a:t>
+            </a:r>
+          </a:p>
+        </p:txBody>
+      </p:sp>
+      <p:sp>
+        <p:nvSpPr>
+          <p:cNvPr id="11" name="TextBox 10">
+            <a:extLst>
+              <a:ext uri="{FF2B5EF4-FFF2-40B4-BE49-F238E27FC236}">
+                <a16:creationId xmlns:a16="http://schemas.microsoft.com/office/drawing/2014/main" id="{7CAF6545-8798-4186-9CEC-C13689165DF7}"/>
+              </a:ext>
+            </a:extLst>
+          </p:cNvPr>
+          <p:cNvSpPr txBox="1"/>
+          <p:nvPr/>
+        </p:nvSpPr>
+        <p:spPr>
+          <a:xfrm>
+            <a:off x="5972795" y="3206964"/>
+            <a:ext cx="908974" cy="369332"/>
+          </a:xfrm>
+          <a:prstGeom prst="rect">
+            <a:avLst/>
+          </a:prstGeom>
+          <a:solidFill>
+            <a:schemeClr val="accent2"/>
+          </a:solidFill>
+        </p:spPr>
+        <p:txBody>
+          <a:bodyPr wrap="square" rtlCol="0">
+            <a:spAutoFit/>
+          </a:bodyPr>
+          <a:lstStyle/>
+          <a:p>
+            <a:r>
+              <a:rPr lang="en-US" dirty="0">
+                <a:solidFill>
+                  <a:schemeClr val="bg1"/>
+                </a:solidFill>
+                <a:latin typeface="Microsoft JhengHei UI" panose="020B0604030504040204" pitchFamily="34" charset="-120"/>
+                <a:ea typeface="Microsoft JhengHei UI" panose="020B0604030504040204" pitchFamily="34" charset="-120"/>
+              </a:rPr>
+              <a:t>T=4.0</a:t>
+            </a:r>
+          </a:p>
+        </p:txBody>
+      </p:sp>
+      <p:sp>
+        <p:nvSpPr>
+          <p:cNvPr id="15" name="Rectangle: Rounded Corners 14">
+            <a:extLst>
+              <a:ext uri="{FF2B5EF4-FFF2-40B4-BE49-F238E27FC236}">
+                <a16:creationId xmlns:a16="http://schemas.microsoft.com/office/drawing/2014/main" id="{B0E40037-5D75-492F-A788-1A1FE4C13727}"/>
+              </a:ext>
+            </a:extLst>
+          </p:cNvPr>
+          <p:cNvSpPr/>
+          <p:nvPr/>
+        </p:nvSpPr>
+        <p:spPr>
+          <a:xfrm>
+            <a:off x="708134" y="767234"/>
+            <a:ext cx="2378336" cy="919633"/>
+          </a:xfrm>
+          <a:prstGeom prst="roundRect">
+            <a:avLst>
+              <a:gd name="adj" fmla="val 0"/>
+            </a:avLst>
+          </a:prstGeom>
+          <a:solidFill>
+            <a:srgbClr val="7030A0"/>
+          </a:solidFill>
+        </p:spPr>
+        <p:style>
+          <a:lnRef idx="2">
+            <a:schemeClr val="accent1">
+              <a:shade val="50000"/>
+            </a:schemeClr>
+          </a:lnRef>
+          <a:fillRef idx="1">
+            <a:schemeClr val="accent1"/>
+          </a:fillRef>
+          <a:effectRef idx="0">
+            <a:schemeClr val="accent1"/>
+          </a:effectRef>
+          <a:fontRef idx="minor">
+            <a:schemeClr val="lt1"/>
+          </a:fontRef>
+        </p:style>
+        <p:txBody>
+          <a:bodyPr rtlCol="0" anchor="ctr"/>
+          <a:lstStyle/>
+          <a:p>
+            <a:pPr algn="ctr"/>
+            <a:r>
+              <a:rPr lang="en-US" dirty="0"/>
+              <a:t>Sorghum State Generator</a:t>
+            </a:r>
+          </a:p>
+          <a:p>
+            <a:pPr algn="ctr"/>
+            <a:r>
+              <a:rPr lang="en-US" sz="1200" dirty="0"/>
+              <a:t>(“Procedural parameters”)</a:t>
+            </a:r>
+          </a:p>
+        </p:txBody>
+      </p:sp>
+      <p:sp>
+        <p:nvSpPr>
+          <p:cNvPr id="16" name="TextBox 15">
+            <a:extLst>
+              <a:ext uri="{FF2B5EF4-FFF2-40B4-BE49-F238E27FC236}">
+                <a16:creationId xmlns:a16="http://schemas.microsoft.com/office/drawing/2014/main" id="{E9C04E87-9C4D-48D6-B5E8-833C293BB442}"/>
+              </a:ext>
+            </a:extLst>
+          </p:cNvPr>
+          <p:cNvSpPr txBox="1"/>
+          <p:nvPr/>
+        </p:nvSpPr>
+        <p:spPr>
+          <a:xfrm>
+            <a:off x="2111964" y="1934654"/>
+            <a:ext cx="1408405" cy="369332"/>
+          </a:xfrm>
+          <a:prstGeom prst="rect">
+            <a:avLst/>
+          </a:prstGeom>
+          <a:solidFill>
+            <a:schemeClr val="accent1"/>
+          </a:solidFill>
+        </p:spPr>
+        <p:txBody>
+          <a:bodyPr wrap="square" rtlCol="0">
+            <a:spAutoFit/>
+          </a:bodyPr>
+          <a:lstStyle/>
+          <a:p>
+            <a:r>
+              <a:rPr lang="en-US" dirty="0">
+                <a:solidFill>
+                  <a:schemeClr val="bg1"/>
+                </a:solidFill>
+                <a:latin typeface="Microsoft JhengHei UI" panose="020B0604030504040204" pitchFamily="34" charset="-120"/>
+                <a:ea typeface="Microsoft JhengHei UI" panose="020B0604030504040204" pitchFamily="34" charset="-120"/>
+              </a:rPr>
+              <a:t>Seed = 172</a:t>
+            </a:r>
+          </a:p>
+        </p:txBody>
+      </p:sp>
+      <p:sp>
+        <p:nvSpPr>
+          <p:cNvPr id="17" name="TextBox 16">
+            <a:extLst>
+              <a:ext uri="{FF2B5EF4-FFF2-40B4-BE49-F238E27FC236}">
+                <a16:creationId xmlns:a16="http://schemas.microsoft.com/office/drawing/2014/main" id="{A91AC35D-7C79-4780-B58A-67A73950CD43}"/>
+              </a:ext>
+            </a:extLst>
+          </p:cNvPr>
+          <p:cNvSpPr txBox="1"/>
+          <p:nvPr/>
+        </p:nvSpPr>
+        <p:spPr>
+          <a:xfrm>
+            <a:off x="2116691" y="2353754"/>
+            <a:ext cx="1408405" cy="369332"/>
+          </a:xfrm>
+          <a:prstGeom prst="rect">
+            <a:avLst/>
+          </a:prstGeom>
+          <a:solidFill>
+            <a:schemeClr val="accent1"/>
+          </a:solidFill>
+        </p:spPr>
+        <p:txBody>
+          <a:bodyPr wrap="square" rtlCol="0">
+            <a:spAutoFit/>
+          </a:bodyPr>
+          <a:lstStyle/>
+          <a:p>
+            <a:r>
+              <a:rPr lang="en-US" dirty="0">
+                <a:solidFill>
+                  <a:schemeClr val="bg1"/>
+                </a:solidFill>
+                <a:latin typeface="Microsoft JhengHei UI" panose="020B0604030504040204" pitchFamily="34" charset="-120"/>
+                <a:ea typeface="Microsoft JhengHei UI" panose="020B0604030504040204" pitchFamily="34" charset="-120"/>
+              </a:rPr>
+              <a:t>Seed = 149</a:t>
+            </a:r>
+          </a:p>
+        </p:txBody>
+      </p:sp>
+      <p:sp>
+        <p:nvSpPr>
+          <p:cNvPr id="18" name="TextBox 17">
+            <a:extLst>
+              <a:ext uri="{FF2B5EF4-FFF2-40B4-BE49-F238E27FC236}">
+                <a16:creationId xmlns:a16="http://schemas.microsoft.com/office/drawing/2014/main" id="{08A0B192-3439-4E3A-A8EC-24F4E5E26D58}"/>
+              </a:ext>
+            </a:extLst>
+          </p:cNvPr>
+          <p:cNvSpPr txBox="1"/>
+          <p:nvPr/>
+        </p:nvSpPr>
+        <p:spPr>
+          <a:xfrm>
+            <a:off x="1382559" y="1934654"/>
+            <a:ext cx="300082" cy="369332"/>
+          </a:xfrm>
+          <a:prstGeom prst="rect">
+            <a:avLst/>
+          </a:prstGeom>
+          <a:noFill/>
+        </p:spPr>
+        <p:txBody>
+          <a:bodyPr wrap="none" rtlCol="0">
+            <a:spAutoFit/>
+          </a:bodyPr>
+          <a:lstStyle/>
+          <a:p>
+            <a:r>
+              <a:rPr lang="en-US" dirty="0"/>
+              <a:t>+</a:t>
+            </a:r>
+          </a:p>
+        </p:txBody>
+      </p:sp>
+      <p:sp>
+        <p:nvSpPr>
+          <p:cNvPr id="19" name="TextBox 18">
+            <a:extLst>
+              <a:ext uri="{FF2B5EF4-FFF2-40B4-BE49-F238E27FC236}">
+                <a16:creationId xmlns:a16="http://schemas.microsoft.com/office/drawing/2014/main" id="{B54E2301-2B72-49AF-AC6D-491992784D86}"/>
+              </a:ext>
+            </a:extLst>
+          </p:cNvPr>
+          <p:cNvSpPr txBox="1"/>
+          <p:nvPr/>
+        </p:nvSpPr>
+        <p:spPr>
+          <a:xfrm>
+            <a:off x="1382559" y="2353754"/>
+            <a:ext cx="300082" cy="369332"/>
+          </a:xfrm>
+          <a:prstGeom prst="rect">
+            <a:avLst/>
+          </a:prstGeom>
+          <a:noFill/>
+        </p:spPr>
+        <p:txBody>
+          <a:bodyPr wrap="none" rtlCol="0">
+            <a:spAutoFit/>
+          </a:bodyPr>
+          <a:lstStyle/>
+          <a:p>
+            <a:r>
+              <a:rPr lang="en-US" dirty="0"/>
+              <a:t>+</a:t>
+            </a:r>
+          </a:p>
+        </p:txBody>
+      </p:sp>
+      <p:cxnSp>
+        <p:nvCxnSpPr>
+          <p:cNvPr id="21" name="Connector: Elbow 20">
+            <a:extLst>
+              <a:ext uri="{FF2B5EF4-FFF2-40B4-BE49-F238E27FC236}">
+                <a16:creationId xmlns:a16="http://schemas.microsoft.com/office/drawing/2014/main" id="{CE590B77-F60E-4886-A36F-3D1C1AB82D8D}"/>
+              </a:ext>
+            </a:extLst>
+          </p:cNvPr>
+          <p:cNvCxnSpPr>
+            <a:cxnSpLocks/>
+            <a:endCxn id="18" idx="1"/>
+          </p:cNvCxnSpPr>
+          <p:nvPr/>
+        </p:nvCxnSpPr>
+        <p:spPr>
+          <a:xfrm rot="16200000" flipH="1">
+            <a:off x="993624" y="1730384"/>
+            <a:ext cx="436903" cy="340967"/>
+          </a:xfrm>
+          <a:prstGeom prst="bentConnector2">
+            <a:avLst/>
+          </a:prstGeom>
+          <a:ln w="28575"/>
+        </p:spPr>
+        <p:style>
+          <a:lnRef idx="1">
+            <a:schemeClr val="accent1"/>
+          </a:lnRef>
+          <a:fillRef idx="0">
+            <a:schemeClr val="accent1"/>
+          </a:fillRef>
+          <a:effectRef idx="0">
+            <a:schemeClr val="accent1"/>
+          </a:effectRef>
+          <a:fontRef idx="minor">
+            <a:schemeClr val="tx1"/>
+          </a:fontRef>
+        </p:style>
+      </p:cxnSp>
+      <p:cxnSp>
+        <p:nvCxnSpPr>
+          <p:cNvPr id="23" name="Connector: Elbow 22">
+            <a:extLst>
+              <a:ext uri="{FF2B5EF4-FFF2-40B4-BE49-F238E27FC236}">
+                <a16:creationId xmlns:a16="http://schemas.microsoft.com/office/drawing/2014/main" id="{006E418E-6A8D-4516-A543-291145D9BE07}"/>
+              </a:ext>
+            </a:extLst>
+          </p:cNvPr>
+          <p:cNvCxnSpPr>
+            <a:endCxn id="19" idx="1"/>
+          </p:cNvCxnSpPr>
+          <p:nvPr/>
+        </p:nvCxnSpPr>
+        <p:spPr>
+          <a:xfrm rot="16200000" flipH="1">
+            <a:off x="631962" y="1787822"/>
+            <a:ext cx="847101" cy="654094"/>
+          </a:xfrm>
+          <a:prstGeom prst="bentConnector2">
+            <a:avLst/>
+          </a:prstGeom>
+          <a:ln w="28575"/>
+        </p:spPr>
+        <p:style>
+          <a:lnRef idx="1">
+            <a:schemeClr val="accent1"/>
+          </a:lnRef>
+          <a:fillRef idx="0">
+            <a:schemeClr val="accent1"/>
+          </a:fillRef>
+          <a:effectRef idx="0">
+            <a:schemeClr val="accent1"/>
+          </a:effectRef>
+          <a:fontRef idx="minor">
+            <a:schemeClr val="tx1"/>
+          </a:fontRef>
+        </p:style>
+      </p:cxnSp>
+      <p:cxnSp>
+        <p:nvCxnSpPr>
+          <p:cNvPr id="26" name="Straight Connector 25">
+            <a:extLst>
+              <a:ext uri="{FF2B5EF4-FFF2-40B4-BE49-F238E27FC236}">
+                <a16:creationId xmlns:a16="http://schemas.microsoft.com/office/drawing/2014/main" id="{82E46FB7-9AF9-4B98-8076-B8D6A4EA6C69}"/>
+              </a:ext>
+            </a:extLst>
+          </p:cNvPr>
+          <p:cNvCxnSpPr>
+            <a:stCxn id="18" idx="3"/>
+            <a:endCxn id="16" idx="1"/>
+          </p:cNvCxnSpPr>
+          <p:nvPr/>
+        </p:nvCxnSpPr>
+        <p:spPr>
+          <a:xfrm>
+            <a:off x="1682641" y="2119320"/>
+            <a:ext cx="429323" cy="0"/>
+          </a:xfrm>
+          <a:prstGeom prst="line">
+            <a:avLst/>
+          </a:prstGeom>
+          <a:ln w="28575"/>
+        </p:spPr>
+        <p:style>
+          <a:lnRef idx="1">
+            <a:schemeClr val="accent1"/>
+          </a:lnRef>
+          <a:fillRef idx="0">
+            <a:schemeClr val="accent1"/>
+          </a:fillRef>
+          <a:effectRef idx="0">
+            <a:schemeClr val="accent1"/>
+          </a:effectRef>
+          <a:fontRef idx="minor">
+            <a:schemeClr val="tx1"/>
+          </a:fontRef>
+        </p:style>
+      </p:cxnSp>
+      <p:cxnSp>
+        <p:nvCxnSpPr>
+          <p:cNvPr id="28" name="Straight Connector 27">
+            <a:extLst>
+              <a:ext uri="{FF2B5EF4-FFF2-40B4-BE49-F238E27FC236}">
+                <a16:creationId xmlns:a16="http://schemas.microsoft.com/office/drawing/2014/main" id="{9EFC9DE0-885F-4791-AA90-3B232B0A57B1}"/>
+              </a:ext>
+            </a:extLst>
+          </p:cNvPr>
+          <p:cNvCxnSpPr>
+            <a:stCxn id="19" idx="3"/>
+            <a:endCxn id="17" idx="1"/>
+          </p:cNvCxnSpPr>
+          <p:nvPr/>
+        </p:nvCxnSpPr>
+        <p:spPr>
+          <a:xfrm>
+            <a:off x="1682641" y="2538420"/>
+            <a:ext cx="434050" cy="0"/>
+          </a:xfrm>
+          <a:prstGeom prst="line">
+            <a:avLst/>
+          </a:prstGeom>
+          <a:ln w="28575"/>
+        </p:spPr>
+        <p:style>
+          <a:lnRef idx="1">
+            <a:schemeClr val="accent1"/>
+          </a:lnRef>
+          <a:fillRef idx="0">
+            <a:schemeClr val="accent1"/>
+          </a:fillRef>
+          <a:effectRef idx="0">
+            <a:schemeClr val="accent1"/>
+          </a:effectRef>
+          <a:fontRef idx="minor">
+            <a:schemeClr val="tx1"/>
+          </a:fontRef>
+        </p:style>
+      </p:cxnSp>
+      <p:cxnSp>
+        <p:nvCxnSpPr>
+          <p:cNvPr id="30" name="Straight Arrow Connector 29">
+            <a:extLst>
+              <a:ext uri="{FF2B5EF4-FFF2-40B4-BE49-F238E27FC236}">
+                <a16:creationId xmlns:a16="http://schemas.microsoft.com/office/drawing/2014/main" id="{6F82D042-0795-4A99-B34F-BD181AFBD235}"/>
+              </a:ext>
+            </a:extLst>
+          </p:cNvPr>
+          <p:cNvCxnSpPr>
+            <a:stCxn id="16" idx="3"/>
+            <a:endCxn id="4" idx="1"/>
+          </p:cNvCxnSpPr>
+          <p:nvPr/>
+        </p:nvCxnSpPr>
+        <p:spPr>
+          <a:xfrm>
+            <a:off x="3520369" y="2119320"/>
+            <a:ext cx="646233" cy="2689"/>
+          </a:xfrm>
+          <a:prstGeom prst="straightConnector1">
+            <a:avLst/>
+          </a:prstGeom>
+          <a:ln w="28575">
+            <a:tailEnd type="triangle"/>
+          </a:ln>
+        </p:spPr>
+        <p:style>
+          <a:lnRef idx="1">
+            <a:schemeClr val="accent1"/>
+          </a:lnRef>
+          <a:fillRef idx="0">
+            <a:schemeClr val="accent1"/>
+          </a:fillRef>
+          <a:effectRef idx="0">
+            <a:schemeClr val="accent1"/>
+          </a:effectRef>
+          <a:fontRef idx="minor">
+            <a:schemeClr val="tx1"/>
+          </a:fontRef>
+        </p:style>
+      </p:cxnSp>
+      <p:cxnSp>
+        <p:nvCxnSpPr>
+          <p:cNvPr id="32" name="Straight Arrow Connector 31">
+            <a:extLst>
+              <a:ext uri="{FF2B5EF4-FFF2-40B4-BE49-F238E27FC236}">
+                <a16:creationId xmlns:a16="http://schemas.microsoft.com/office/drawing/2014/main" id="{C9BCE4AE-5784-44EB-888D-4FF7EF85099C}"/>
+              </a:ext>
+            </a:extLst>
+          </p:cNvPr>
+          <p:cNvCxnSpPr>
+            <a:cxnSpLocks/>
+            <a:stCxn id="17" idx="3"/>
+            <a:endCxn id="6" idx="1"/>
+          </p:cNvCxnSpPr>
+          <p:nvPr/>
+        </p:nvCxnSpPr>
+        <p:spPr>
+          <a:xfrm>
+            <a:off x="3525096" y="2538420"/>
+            <a:ext cx="641506" cy="2689"/>
+          </a:xfrm>
+          <a:prstGeom prst="straightConnector1">
+            <a:avLst/>
+          </a:prstGeom>
+          <a:ln w="28575">
+            <a:tailEnd type="triangle"/>
+          </a:ln>
+        </p:spPr>
+        <p:style>
+          <a:lnRef idx="1">
+            <a:schemeClr val="accent1"/>
+          </a:lnRef>
+          <a:fillRef idx="0">
+            <a:schemeClr val="accent1"/>
+          </a:fillRef>
+          <a:effectRef idx="0">
+            <a:schemeClr val="accent1"/>
+          </a:effectRef>
+          <a:fontRef idx="minor">
+            <a:schemeClr val="tx1"/>
+          </a:fontRef>
+        </p:style>
+      </p:cxnSp>
+      <p:sp>
+        <p:nvSpPr>
+          <p:cNvPr id="37" name="Rectangle: Rounded Corners 36">
+            <a:extLst>
+              <a:ext uri="{FF2B5EF4-FFF2-40B4-BE49-F238E27FC236}">
+                <a16:creationId xmlns:a16="http://schemas.microsoft.com/office/drawing/2014/main" id="{7D3D9F70-58BA-48B5-9B59-BAD1205A5EAA}"/>
+              </a:ext>
+            </a:extLst>
+          </p:cNvPr>
+          <p:cNvSpPr/>
+          <p:nvPr/>
+        </p:nvSpPr>
+        <p:spPr>
+          <a:xfrm>
+            <a:off x="728465" y="2771926"/>
+            <a:ext cx="2980619" cy="765521"/>
+          </a:xfrm>
+          <a:prstGeom prst="roundRect">
+            <a:avLst/>
+          </a:prstGeom>
+        </p:spPr>
+        <p:style>
+          <a:lnRef idx="2">
+            <a:schemeClr val="accent6">
+              <a:shade val="50000"/>
+            </a:schemeClr>
+          </a:lnRef>
+          <a:fillRef idx="1">
+            <a:schemeClr val="accent6"/>
+          </a:fillRef>
+          <a:effectRef idx="0">
+            <a:schemeClr val="accent6"/>
+          </a:effectRef>
+          <a:fontRef idx="minor">
+            <a:schemeClr val="lt1"/>
+          </a:fontRef>
+        </p:style>
+        <p:txBody>
+          <a:bodyPr rtlCol="0" anchor="ctr"/>
+          <a:lstStyle/>
+          <a:p>
+            <a:pPr algn="ctr"/>
+            <a:r>
+              <a:rPr lang="en-US" dirty="0"/>
+              <a:t>Data Measurements</a:t>
+            </a:r>
+          </a:p>
+          <a:p>
+            <a:pPr algn="ctr"/>
+            <a:r>
+              <a:rPr lang="en-US" dirty="0"/>
+              <a:t>Manual Editing</a:t>
+            </a:r>
+          </a:p>
+        </p:txBody>
+      </p:sp>
+      <p:cxnSp>
+        <p:nvCxnSpPr>
+          <p:cNvPr id="39" name="Straight Arrow Connector 38">
+            <a:extLst>
+              <a:ext uri="{FF2B5EF4-FFF2-40B4-BE49-F238E27FC236}">
+                <a16:creationId xmlns:a16="http://schemas.microsoft.com/office/drawing/2014/main" id="{3744581A-47DA-4BDE-A558-B699D714FF43}"/>
+              </a:ext>
+            </a:extLst>
+          </p:cNvPr>
+          <p:cNvCxnSpPr>
+            <a:cxnSpLocks/>
+            <a:stCxn id="37" idx="3"/>
+            <a:endCxn id="8" idx="1"/>
+          </p:cNvCxnSpPr>
+          <p:nvPr/>
+        </p:nvCxnSpPr>
+        <p:spPr>
+          <a:xfrm flipV="1">
+            <a:off x="3709084" y="2960209"/>
+            <a:ext cx="457518" cy="194478"/>
+          </a:xfrm>
+          <a:prstGeom prst="straightConnector1">
+            <a:avLst/>
+          </a:prstGeom>
+          <a:ln w="28575">
+            <a:tailEnd type="triangle"/>
+          </a:ln>
+        </p:spPr>
+        <p:style>
+          <a:lnRef idx="1">
+            <a:schemeClr val="accent1"/>
+          </a:lnRef>
+          <a:fillRef idx="0">
+            <a:schemeClr val="accent1"/>
+          </a:fillRef>
+          <a:effectRef idx="0">
+            <a:schemeClr val="accent1"/>
+          </a:effectRef>
+          <a:fontRef idx="minor">
+            <a:schemeClr val="tx1"/>
+          </a:fontRef>
+        </p:style>
+      </p:cxnSp>
+      <p:sp>
+        <p:nvSpPr>
+          <p:cNvPr id="41" name="TextBox 40">
+            <a:extLst>
+              <a:ext uri="{FF2B5EF4-FFF2-40B4-BE49-F238E27FC236}">
+                <a16:creationId xmlns:a16="http://schemas.microsoft.com/office/drawing/2014/main" id="{F903708A-C0F8-4893-AF89-80890DE119EC}"/>
+              </a:ext>
+            </a:extLst>
+          </p:cNvPr>
+          <p:cNvSpPr txBox="1"/>
+          <p:nvPr/>
+        </p:nvSpPr>
+        <p:spPr>
+          <a:xfrm>
+            <a:off x="9074096" y="2581630"/>
+            <a:ext cx="1806193" cy="338554"/>
+          </a:xfrm>
+          <a:prstGeom prst="rect">
+            <a:avLst/>
+          </a:prstGeom>
+          <a:solidFill>
+            <a:schemeClr val="accent1"/>
+          </a:solidFill>
+        </p:spPr>
+        <p:txBody>
+          <a:bodyPr wrap="square" rtlCol="0">
+            <a:spAutoFit/>
+          </a:bodyPr>
+          <a:lstStyle/>
+          <a:p>
+            <a:r>
+              <a:rPr lang="en-US" sz="1600" dirty="0">
+                <a:solidFill>
+                  <a:schemeClr val="bg1"/>
+                </a:solidFill>
+                <a:latin typeface="Microsoft JhengHei UI" panose="020B0604030504040204" pitchFamily="34" charset="-120"/>
+                <a:ea typeface="Microsoft JhengHei UI" panose="020B0604030504040204" pitchFamily="34" charset="-120"/>
+              </a:rPr>
+              <a:t>Sorghum State</a:t>
+            </a:r>
+          </a:p>
+        </p:txBody>
+      </p:sp>
+      <p:sp>
+        <p:nvSpPr>
+          <p:cNvPr id="42" name="TextBox 41">
+            <a:extLst>
+              <a:ext uri="{FF2B5EF4-FFF2-40B4-BE49-F238E27FC236}">
+                <a16:creationId xmlns:a16="http://schemas.microsoft.com/office/drawing/2014/main" id="{1147C6C2-7C68-4851-8345-89075BE6A662}"/>
+              </a:ext>
+            </a:extLst>
+          </p:cNvPr>
+          <p:cNvSpPr txBox="1"/>
+          <p:nvPr/>
+        </p:nvSpPr>
+        <p:spPr>
+          <a:xfrm>
+            <a:off x="10880289" y="2581630"/>
+            <a:ext cx="908974" cy="369332"/>
+          </a:xfrm>
+          <a:prstGeom prst="rect">
+            <a:avLst/>
+          </a:prstGeom>
+          <a:solidFill>
+            <a:schemeClr val="accent2"/>
+          </a:solidFill>
+        </p:spPr>
+        <p:txBody>
+          <a:bodyPr wrap="square" rtlCol="0">
+            <a:spAutoFit/>
+          </a:bodyPr>
+          <a:lstStyle/>
+          <a:p>
+            <a:r>
+              <a:rPr lang="en-US" dirty="0">
+                <a:solidFill>
+                  <a:schemeClr val="bg1"/>
+                </a:solidFill>
+                <a:latin typeface="Microsoft JhengHei UI" panose="020B0604030504040204" pitchFamily="34" charset="-120"/>
+                <a:ea typeface="Microsoft JhengHei UI" panose="020B0604030504040204" pitchFamily="34" charset="-120"/>
+              </a:rPr>
+              <a:t>T=1.3</a:t>
+            </a:r>
+          </a:p>
+        </p:txBody>
+      </p:sp>
+      <p:cxnSp>
+        <p:nvCxnSpPr>
+          <p:cNvPr id="44" name="Straight Arrow Connector 43">
+            <a:extLst>
+              <a:ext uri="{FF2B5EF4-FFF2-40B4-BE49-F238E27FC236}">
+                <a16:creationId xmlns:a16="http://schemas.microsoft.com/office/drawing/2014/main" id="{565D2137-8E7B-4089-B1D3-5F2350963951}"/>
+              </a:ext>
+            </a:extLst>
+          </p:cNvPr>
+          <p:cNvCxnSpPr>
+            <a:stCxn id="7" idx="3"/>
+            <a:endCxn id="41" idx="1"/>
+          </p:cNvCxnSpPr>
+          <p:nvPr/>
+        </p:nvCxnSpPr>
+        <p:spPr>
+          <a:xfrm>
+            <a:off x="6881769" y="2556498"/>
+            <a:ext cx="2192327" cy="194409"/>
+          </a:xfrm>
+          <a:prstGeom prst="straightConnector1">
+            <a:avLst/>
+          </a:prstGeom>
+          <a:ln w="28575">
+            <a:tailEnd type="triangle"/>
+          </a:ln>
+        </p:spPr>
+        <p:style>
+          <a:lnRef idx="1">
+            <a:schemeClr val="accent1"/>
+          </a:lnRef>
+          <a:fillRef idx="0">
+            <a:schemeClr val="accent1"/>
+          </a:fillRef>
+          <a:effectRef idx="0">
+            <a:schemeClr val="accent1"/>
+          </a:effectRef>
+          <a:fontRef idx="minor">
+            <a:schemeClr val="tx1"/>
+          </a:fontRef>
+        </p:style>
+      </p:cxnSp>
+      <p:cxnSp>
+        <p:nvCxnSpPr>
+          <p:cNvPr id="46" name="Straight Arrow Connector 45">
+            <a:extLst>
+              <a:ext uri="{FF2B5EF4-FFF2-40B4-BE49-F238E27FC236}">
+                <a16:creationId xmlns:a16="http://schemas.microsoft.com/office/drawing/2014/main" id="{3158418A-67D0-4211-8471-5618DD9B1B9C}"/>
+              </a:ext>
+            </a:extLst>
+          </p:cNvPr>
+          <p:cNvCxnSpPr>
+            <a:cxnSpLocks/>
+            <a:endCxn id="41" idx="1"/>
+          </p:cNvCxnSpPr>
+          <p:nvPr/>
+        </p:nvCxnSpPr>
+        <p:spPr>
+          <a:xfrm flipV="1">
+            <a:off x="6875892" y="2750907"/>
+            <a:ext cx="2198204" cy="230666"/>
+          </a:xfrm>
+          <a:prstGeom prst="straightConnector1">
+            <a:avLst/>
+          </a:prstGeom>
+          <a:ln w="28575">
+            <a:tailEnd type="triangle"/>
+          </a:ln>
+        </p:spPr>
+        <p:style>
+          <a:lnRef idx="1">
+            <a:schemeClr val="accent1"/>
+          </a:lnRef>
+          <a:fillRef idx="0">
+            <a:schemeClr val="accent1"/>
+          </a:fillRef>
+          <a:effectRef idx="0">
+            <a:schemeClr val="accent1"/>
+          </a:effectRef>
+          <a:fontRef idx="minor">
+            <a:schemeClr val="tx1"/>
+          </a:fontRef>
+        </p:style>
+      </p:cxnSp>
+      <p:sp>
+        <p:nvSpPr>
+          <p:cNvPr id="47" name="TextBox 46">
+            <a:extLst>
+              <a:ext uri="{FF2B5EF4-FFF2-40B4-BE49-F238E27FC236}">
+                <a16:creationId xmlns:a16="http://schemas.microsoft.com/office/drawing/2014/main" id="{2685108A-357F-4CA6-87AB-64AB11183F44}"/>
+              </a:ext>
+            </a:extLst>
+          </p:cNvPr>
+          <p:cNvSpPr txBox="1"/>
+          <p:nvPr/>
+        </p:nvSpPr>
+        <p:spPr>
+          <a:xfrm rot="490623">
+            <a:off x="7073665" y="2329132"/>
+            <a:ext cx="1410643" cy="369332"/>
+          </a:xfrm>
+          <a:prstGeom prst="rect">
+            <a:avLst/>
+          </a:prstGeom>
+          <a:noFill/>
+        </p:spPr>
+        <p:txBody>
+          <a:bodyPr wrap="none" rtlCol="0">
+            <a:spAutoFit/>
+          </a:bodyPr>
+          <a:lstStyle/>
+          <a:p>
+            <a:r>
+              <a:rPr lang="en-US" dirty="0"/>
+              <a:t>Interpolation</a:t>
+            </a:r>
+          </a:p>
+        </p:txBody>
+      </p:sp>
+      <p:sp>
+        <p:nvSpPr>
+          <p:cNvPr id="49" name="Rectangle 48">
+            <a:extLst>
+              <a:ext uri="{FF2B5EF4-FFF2-40B4-BE49-F238E27FC236}">
+                <a16:creationId xmlns:a16="http://schemas.microsoft.com/office/drawing/2014/main" id="{E9B1636B-EF24-4CE3-806D-8403EB9EF28B}"/>
+              </a:ext>
+            </a:extLst>
+          </p:cNvPr>
+          <p:cNvSpPr/>
+          <p:nvPr/>
+        </p:nvSpPr>
+        <p:spPr>
+          <a:xfrm>
+            <a:off x="8839200" y="4674925"/>
+            <a:ext cx="2298700" cy="430554"/>
+          </a:xfrm>
+          <a:prstGeom prst="rect">
+            <a:avLst/>
+          </a:prstGeom>
+        </p:spPr>
+        <p:style>
+          <a:lnRef idx="2">
+            <a:schemeClr val="accent1">
+              <a:shade val="50000"/>
+            </a:schemeClr>
+          </a:lnRef>
+          <a:fillRef idx="1">
+            <a:schemeClr val="accent1"/>
+          </a:fillRef>
+          <a:effectRef idx="0">
+            <a:schemeClr val="accent1"/>
+          </a:effectRef>
+          <a:fontRef idx="minor">
+            <a:schemeClr val="lt1"/>
+          </a:fontRef>
+        </p:style>
+        <p:txBody>
+          <a:bodyPr rtlCol="0" anchor="ctr"/>
+          <a:lstStyle/>
+          <a:p>
+            <a:pPr algn="ctr"/>
+            <a:r>
+              <a:rPr lang="en-US" dirty="0"/>
+              <a:t>Node representation</a:t>
+            </a:r>
+          </a:p>
+        </p:txBody>
+      </p:sp>
+      <p:sp>
+        <p:nvSpPr>
+          <p:cNvPr id="50" name="Rectangle 49">
+            <a:extLst>
+              <a:ext uri="{FF2B5EF4-FFF2-40B4-BE49-F238E27FC236}">
+                <a16:creationId xmlns:a16="http://schemas.microsoft.com/office/drawing/2014/main" id="{B0F5C43A-B13D-4C9E-9B49-98987098B9B7}"/>
+              </a:ext>
+            </a:extLst>
+          </p:cNvPr>
+          <p:cNvSpPr/>
+          <p:nvPr/>
+        </p:nvSpPr>
+        <p:spPr>
+          <a:xfrm>
+            <a:off x="9331325" y="5678146"/>
+            <a:ext cx="1314450" cy="430554"/>
+          </a:xfrm>
+          <a:prstGeom prst="rect">
+            <a:avLst/>
+          </a:prstGeom>
+        </p:spPr>
+        <p:style>
+          <a:lnRef idx="2">
+            <a:schemeClr val="accent1">
+              <a:shade val="50000"/>
+            </a:schemeClr>
+          </a:lnRef>
+          <a:fillRef idx="1">
+            <a:schemeClr val="accent1"/>
+          </a:fillRef>
+          <a:effectRef idx="0">
+            <a:schemeClr val="accent1"/>
+          </a:effectRef>
+          <a:fontRef idx="minor">
+            <a:schemeClr val="lt1"/>
+          </a:fontRef>
+        </p:style>
+        <p:txBody>
+          <a:bodyPr rtlCol="0" anchor="ctr"/>
+          <a:lstStyle/>
+          <a:p>
+            <a:pPr algn="ctr"/>
+            <a:r>
+              <a:rPr lang="en-US" dirty="0"/>
+              <a:t>Geometry</a:t>
+            </a:r>
+          </a:p>
+        </p:txBody>
+      </p:sp>
+      <p:sp>
+        <p:nvSpPr>
+          <p:cNvPr id="51" name="TextBox 50">
+            <a:extLst>
+              <a:ext uri="{FF2B5EF4-FFF2-40B4-BE49-F238E27FC236}">
+                <a16:creationId xmlns:a16="http://schemas.microsoft.com/office/drawing/2014/main" id="{EEB36161-D261-4A50-873C-1CCD0355A146}"/>
+              </a:ext>
+            </a:extLst>
+          </p:cNvPr>
+          <p:cNvSpPr txBox="1"/>
+          <p:nvPr/>
+        </p:nvSpPr>
+        <p:spPr>
+          <a:xfrm>
+            <a:off x="477252" y="4454574"/>
+            <a:ext cx="1806193" cy="338554"/>
+          </a:xfrm>
+          <a:prstGeom prst="rect">
+            <a:avLst/>
+          </a:prstGeom>
+          <a:solidFill>
+            <a:schemeClr val="accent1"/>
+          </a:solidFill>
+        </p:spPr>
+        <p:txBody>
+          <a:bodyPr wrap="square" rtlCol="0">
+            <a:spAutoFit/>
+          </a:bodyPr>
+          <a:lstStyle/>
+          <a:p>
+            <a:r>
+              <a:rPr lang="en-US" sz="1600" dirty="0">
+                <a:solidFill>
+                  <a:schemeClr val="bg1"/>
+                </a:solidFill>
+                <a:latin typeface="Microsoft JhengHei UI" panose="020B0604030504040204" pitchFamily="34" charset="-120"/>
+                <a:ea typeface="Microsoft JhengHei UI" panose="020B0604030504040204" pitchFamily="34" charset="-120"/>
+              </a:rPr>
+              <a:t>Bezier spline</a:t>
+            </a:r>
+          </a:p>
+        </p:txBody>
+      </p:sp>
+      <p:sp>
+        <p:nvSpPr>
+          <p:cNvPr id="52" name="TextBox 51">
+            <a:extLst>
+              <a:ext uri="{FF2B5EF4-FFF2-40B4-BE49-F238E27FC236}">
+                <a16:creationId xmlns:a16="http://schemas.microsoft.com/office/drawing/2014/main" id="{49F23047-4918-4DE1-BC91-CBDF2F869769}"/>
+              </a:ext>
+            </a:extLst>
+          </p:cNvPr>
+          <p:cNvSpPr txBox="1"/>
+          <p:nvPr/>
+        </p:nvSpPr>
+        <p:spPr>
+          <a:xfrm>
+            <a:off x="2283445" y="4454574"/>
+            <a:ext cx="908974" cy="369332"/>
+          </a:xfrm>
+          <a:prstGeom prst="rect">
+            <a:avLst/>
+          </a:prstGeom>
+          <a:solidFill>
+            <a:schemeClr val="accent2"/>
+          </a:solidFill>
+        </p:spPr>
+        <p:txBody>
+          <a:bodyPr wrap="square" rtlCol="0">
+            <a:spAutoFit/>
+          </a:bodyPr>
+          <a:lstStyle/>
+          <a:p>
+            <a:r>
+              <a:rPr lang="en-US" dirty="0">
+                <a:solidFill>
+                  <a:schemeClr val="bg1"/>
+                </a:solidFill>
+                <a:latin typeface="Microsoft JhengHei UI" panose="020B0604030504040204" pitchFamily="34" charset="-120"/>
+                <a:ea typeface="Microsoft JhengHei UI" panose="020B0604030504040204" pitchFamily="34" charset="-120"/>
+              </a:rPr>
+              <a:t>T=1.0</a:t>
+            </a:r>
+          </a:p>
+        </p:txBody>
+      </p:sp>
+      <p:sp>
+        <p:nvSpPr>
+          <p:cNvPr id="53" name="TextBox 52">
+            <a:extLst>
+              <a:ext uri="{FF2B5EF4-FFF2-40B4-BE49-F238E27FC236}">
+                <a16:creationId xmlns:a16="http://schemas.microsoft.com/office/drawing/2014/main" id="{36B83EBD-731E-446D-BC0A-3D0D56E0A01E}"/>
+              </a:ext>
+            </a:extLst>
+          </p:cNvPr>
+          <p:cNvSpPr txBox="1"/>
+          <p:nvPr/>
+        </p:nvSpPr>
+        <p:spPr>
+          <a:xfrm>
+            <a:off x="477252" y="4873674"/>
+            <a:ext cx="1806193" cy="338554"/>
+          </a:xfrm>
+          <a:prstGeom prst="rect">
+            <a:avLst/>
+          </a:prstGeom>
+          <a:solidFill>
+            <a:schemeClr val="accent1"/>
+          </a:solidFill>
+        </p:spPr>
+        <p:txBody>
+          <a:bodyPr wrap="square" rtlCol="0">
+            <a:spAutoFit/>
+          </a:bodyPr>
+          <a:lstStyle/>
+          <a:p>
+            <a:r>
+              <a:rPr lang="en-US" sz="1600" dirty="0">
+                <a:solidFill>
+                  <a:schemeClr val="bg1"/>
+                </a:solidFill>
+                <a:latin typeface="Microsoft JhengHei UI" panose="020B0604030504040204" pitchFamily="34" charset="-120"/>
+                <a:ea typeface="Microsoft JhengHei UI" panose="020B0604030504040204" pitchFamily="34" charset="-120"/>
+              </a:rPr>
+              <a:t>Bezier spline</a:t>
+            </a:r>
+          </a:p>
+        </p:txBody>
+      </p:sp>
+      <p:sp>
+        <p:nvSpPr>
+          <p:cNvPr id="54" name="TextBox 53">
+            <a:extLst>
+              <a:ext uri="{FF2B5EF4-FFF2-40B4-BE49-F238E27FC236}">
+                <a16:creationId xmlns:a16="http://schemas.microsoft.com/office/drawing/2014/main" id="{F088D5DF-0FB1-4047-B089-5D36DBE3A2DD}"/>
+              </a:ext>
+            </a:extLst>
+          </p:cNvPr>
+          <p:cNvSpPr txBox="1"/>
+          <p:nvPr/>
+        </p:nvSpPr>
+        <p:spPr>
+          <a:xfrm>
+            <a:off x="2283445" y="4873674"/>
+            <a:ext cx="908974" cy="369332"/>
+          </a:xfrm>
+          <a:prstGeom prst="rect">
+            <a:avLst/>
+          </a:prstGeom>
+          <a:solidFill>
+            <a:schemeClr val="accent2"/>
+          </a:solidFill>
+        </p:spPr>
+        <p:txBody>
+          <a:bodyPr wrap="square" rtlCol="0">
+            <a:spAutoFit/>
+          </a:bodyPr>
+          <a:lstStyle/>
+          <a:p>
+            <a:r>
+              <a:rPr lang="en-US" dirty="0">
+                <a:solidFill>
+                  <a:schemeClr val="bg1"/>
+                </a:solidFill>
+                <a:latin typeface="Microsoft JhengHei UI" panose="020B0604030504040204" pitchFamily="34" charset="-120"/>
+                <a:ea typeface="Microsoft JhengHei UI" panose="020B0604030504040204" pitchFamily="34" charset="-120"/>
+              </a:rPr>
+              <a:t>T=3.0</a:t>
+            </a:r>
+          </a:p>
+        </p:txBody>
+      </p:sp>
+      <p:sp>
+        <p:nvSpPr>
+          <p:cNvPr id="55" name="TextBox 54">
+            <a:extLst>
+              <a:ext uri="{FF2B5EF4-FFF2-40B4-BE49-F238E27FC236}">
+                <a16:creationId xmlns:a16="http://schemas.microsoft.com/office/drawing/2014/main" id="{30ECC756-A9A6-42DD-AF6B-A723E45C8B74}"/>
+              </a:ext>
+            </a:extLst>
+          </p:cNvPr>
+          <p:cNvSpPr txBox="1"/>
+          <p:nvPr/>
+        </p:nvSpPr>
+        <p:spPr>
+          <a:xfrm>
+            <a:off x="4843605" y="4704397"/>
+            <a:ext cx="1806193" cy="338554"/>
+          </a:xfrm>
+          <a:prstGeom prst="rect">
+            <a:avLst/>
+          </a:prstGeom>
+          <a:solidFill>
+            <a:schemeClr val="accent1"/>
+          </a:solidFill>
+        </p:spPr>
+        <p:txBody>
+          <a:bodyPr wrap="square" rtlCol="0">
+            <a:spAutoFit/>
+          </a:bodyPr>
+          <a:lstStyle/>
+          <a:p>
+            <a:r>
+              <a:rPr lang="en-US" sz="1600" dirty="0">
+                <a:solidFill>
+                  <a:schemeClr val="bg1"/>
+                </a:solidFill>
+                <a:latin typeface="Microsoft JhengHei UI" panose="020B0604030504040204" pitchFamily="34" charset="-120"/>
+                <a:ea typeface="Microsoft JhengHei UI" panose="020B0604030504040204" pitchFamily="34" charset="-120"/>
+              </a:rPr>
+              <a:t>Bezier spline</a:t>
+            </a:r>
+          </a:p>
+        </p:txBody>
+      </p:sp>
+      <p:sp>
+        <p:nvSpPr>
+          <p:cNvPr id="56" name="TextBox 55">
+            <a:extLst>
+              <a:ext uri="{FF2B5EF4-FFF2-40B4-BE49-F238E27FC236}">
+                <a16:creationId xmlns:a16="http://schemas.microsoft.com/office/drawing/2014/main" id="{8056E225-56EE-4F21-B162-D23EF75A990E}"/>
+              </a:ext>
+            </a:extLst>
+          </p:cNvPr>
+          <p:cNvSpPr txBox="1"/>
+          <p:nvPr/>
+        </p:nvSpPr>
+        <p:spPr>
+          <a:xfrm>
+            <a:off x="6649798" y="4704397"/>
+            <a:ext cx="908974" cy="369332"/>
+          </a:xfrm>
+          <a:prstGeom prst="rect">
+            <a:avLst/>
+          </a:prstGeom>
+          <a:solidFill>
+            <a:schemeClr val="accent2"/>
+          </a:solidFill>
+        </p:spPr>
+        <p:txBody>
+          <a:bodyPr wrap="square" rtlCol="0">
+            <a:spAutoFit/>
+          </a:bodyPr>
+          <a:lstStyle/>
+          <a:p>
+            <a:r>
+              <a:rPr lang="en-US" dirty="0">
+                <a:solidFill>
+                  <a:schemeClr val="bg1"/>
+                </a:solidFill>
+                <a:latin typeface="Microsoft JhengHei UI" panose="020B0604030504040204" pitchFamily="34" charset="-120"/>
+                <a:ea typeface="Microsoft JhengHei UI" panose="020B0604030504040204" pitchFamily="34" charset="-120"/>
+              </a:rPr>
+              <a:t>T=1.3</a:t>
+            </a:r>
+          </a:p>
+        </p:txBody>
+      </p:sp>
+      <p:cxnSp>
+        <p:nvCxnSpPr>
+          <p:cNvPr id="57" name="Straight Arrow Connector 56">
+            <a:extLst>
+              <a:ext uri="{FF2B5EF4-FFF2-40B4-BE49-F238E27FC236}">
+                <a16:creationId xmlns:a16="http://schemas.microsoft.com/office/drawing/2014/main" id="{A328FF94-3D65-44C2-98AB-2EFAC42E4845}"/>
+              </a:ext>
+            </a:extLst>
+          </p:cNvPr>
+          <p:cNvCxnSpPr>
+            <a:stCxn id="52" idx="3"/>
+            <a:endCxn id="55" idx="1"/>
+          </p:cNvCxnSpPr>
+          <p:nvPr/>
+        </p:nvCxnSpPr>
+        <p:spPr>
+          <a:xfrm>
+            <a:off x="3192419" y="4639240"/>
+            <a:ext cx="1651186" cy="234434"/>
+          </a:xfrm>
+          <a:prstGeom prst="straightConnector1">
+            <a:avLst/>
+          </a:prstGeom>
+          <a:ln w="28575">
+            <a:tailEnd type="triangle"/>
+          </a:ln>
+        </p:spPr>
+        <p:style>
+          <a:lnRef idx="1">
+            <a:schemeClr val="accent1"/>
+          </a:lnRef>
+          <a:fillRef idx="0">
+            <a:schemeClr val="accent1"/>
+          </a:fillRef>
+          <a:effectRef idx="0">
+            <a:schemeClr val="accent1"/>
+          </a:effectRef>
+          <a:fontRef idx="minor">
+            <a:schemeClr val="tx1"/>
+          </a:fontRef>
+        </p:style>
+      </p:cxnSp>
+      <p:cxnSp>
+        <p:nvCxnSpPr>
+          <p:cNvPr id="58" name="Straight Arrow Connector 57">
+            <a:extLst>
+              <a:ext uri="{FF2B5EF4-FFF2-40B4-BE49-F238E27FC236}">
+                <a16:creationId xmlns:a16="http://schemas.microsoft.com/office/drawing/2014/main" id="{06457C37-F150-4F9A-B06C-0538B82ECF0D}"/>
+              </a:ext>
+            </a:extLst>
+          </p:cNvPr>
+          <p:cNvCxnSpPr>
+            <a:endCxn id="55" idx="1"/>
+          </p:cNvCxnSpPr>
+          <p:nvPr/>
+        </p:nvCxnSpPr>
+        <p:spPr>
+          <a:xfrm flipV="1">
+            <a:off x="3192419" y="4873674"/>
+            <a:ext cx="1651186" cy="200055"/>
+          </a:xfrm>
+          <a:prstGeom prst="straightConnector1">
+            <a:avLst/>
+          </a:prstGeom>
+          <a:ln w="28575">
+            <a:tailEnd type="triangle"/>
+          </a:ln>
+        </p:spPr>
+        <p:style>
+          <a:lnRef idx="1">
+            <a:schemeClr val="accent1"/>
+          </a:lnRef>
+          <a:fillRef idx="0">
+            <a:schemeClr val="accent1"/>
+          </a:fillRef>
+          <a:effectRef idx="0">
+            <a:schemeClr val="accent1"/>
+          </a:effectRef>
+          <a:fontRef idx="minor">
+            <a:schemeClr val="tx1"/>
+          </a:fontRef>
+        </p:style>
+      </p:cxnSp>
+      <p:sp>
+        <p:nvSpPr>
+          <p:cNvPr id="59" name="TextBox 58">
+            <a:extLst>
+              <a:ext uri="{FF2B5EF4-FFF2-40B4-BE49-F238E27FC236}">
+                <a16:creationId xmlns:a16="http://schemas.microsoft.com/office/drawing/2014/main" id="{563CE62A-D30A-4A47-B705-A01B7946532D}"/>
+              </a:ext>
+            </a:extLst>
+          </p:cNvPr>
+          <p:cNvSpPr txBox="1"/>
+          <p:nvPr/>
+        </p:nvSpPr>
+        <p:spPr>
+          <a:xfrm rot="490623">
+            <a:off x="3384315" y="4411874"/>
+            <a:ext cx="1410643" cy="369332"/>
+          </a:xfrm>
+          <a:prstGeom prst="rect">
+            <a:avLst/>
+          </a:prstGeom>
+          <a:noFill/>
+        </p:spPr>
+        <p:txBody>
+          <a:bodyPr wrap="none" rtlCol="0">
+            <a:spAutoFit/>
+          </a:bodyPr>
+          <a:lstStyle/>
+          <a:p>
+            <a:r>
+              <a:rPr lang="en-US" dirty="0"/>
+              <a:t>Interpolation</a:t>
+            </a:r>
+          </a:p>
+        </p:txBody>
+      </p:sp>
+      <p:cxnSp>
+        <p:nvCxnSpPr>
+          <p:cNvPr id="61" name="Straight Arrow Connector 60">
+            <a:extLst>
+              <a:ext uri="{FF2B5EF4-FFF2-40B4-BE49-F238E27FC236}">
+                <a16:creationId xmlns:a16="http://schemas.microsoft.com/office/drawing/2014/main" id="{817B2597-D444-4D23-89C9-7D36A4232A0F}"/>
+              </a:ext>
+            </a:extLst>
+          </p:cNvPr>
+          <p:cNvCxnSpPr>
+            <a:stCxn id="56" idx="3"/>
+            <a:endCxn id="49" idx="1"/>
+          </p:cNvCxnSpPr>
+          <p:nvPr/>
+        </p:nvCxnSpPr>
+        <p:spPr>
+          <a:xfrm>
+            <a:off x="7558772" y="4889063"/>
+            <a:ext cx="1280428" cy="1139"/>
+          </a:xfrm>
+          <a:prstGeom prst="straightConnector1">
+            <a:avLst/>
+          </a:prstGeom>
+          <a:ln w="28575">
+            <a:tailEnd type="triangle"/>
+          </a:ln>
+        </p:spPr>
+        <p:style>
+          <a:lnRef idx="1">
+            <a:schemeClr val="accent1"/>
+          </a:lnRef>
+          <a:fillRef idx="0">
+            <a:schemeClr val="accent1"/>
+          </a:fillRef>
+          <a:effectRef idx="0">
+            <a:schemeClr val="accent1"/>
+          </a:effectRef>
+          <a:fontRef idx="minor">
+            <a:schemeClr val="tx1"/>
+          </a:fontRef>
+        </p:style>
+      </p:cxnSp>
+      <p:cxnSp>
+        <p:nvCxnSpPr>
+          <p:cNvPr id="63" name="Straight Arrow Connector 62">
+            <a:extLst>
+              <a:ext uri="{FF2B5EF4-FFF2-40B4-BE49-F238E27FC236}">
+                <a16:creationId xmlns:a16="http://schemas.microsoft.com/office/drawing/2014/main" id="{B65186C8-0537-4EBA-A820-5C7A65BAA2A0}"/>
+              </a:ext>
+            </a:extLst>
+          </p:cNvPr>
+          <p:cNvCxnSpPr>
+            <a:stCxn id="41" idx="2"/>
+            <a:endCxn id="49" idx="0"/>
+          </p:cNvCxnSpPr>
+          <p:nvPr/>
+        </p:nvCxnSpPr>
+        <p:spPr>
+          <a:xfrm>
+            <a:off x="9977193" y="2920184"/>
+            <a:ext cx="11357" cy="1754741"/>
+          </a:xfrm>
+          <a:prstGeom prst="straightConnector1">
+            <a:avLst/>
+          </a:prstGeom>
+          <a:ln w="28575">
+            <a:tailEnd type="triangle"/>
+          </a:ln>
+        </p:spPr>
+        <p:style>
+          <a:lnRef idx="1">
+            <a:schemeClr val="accent1"/>
+          </a:lnRef>
+          <a:fillRef idx="0">
+            <a:schemeClr val="accent1"/>
+          </a:fillRef>
+          <a:effectRef idx="0">
+            <a:schemeClr val="accent1"/>
+          </a:effectRef>
+          <a:fontRef idx="minor">
+            <a:schemeClr val="tx1"/>
+          </a:fontRef>
+        </p:style>
+      </p:cxnSp>
+      <p:cxnSp>
+        <p:nvCxnSpPr>
+          <p:cNvPr id="68" name="Straight Arrow Connector 67">
+            <a:extLst>
+              <a:ext uri="{FF2B5EF4-FFF2-40B4-BE49-F238E27FC236}">
+                <a16:creationId xmlns:a16="http://schemas.microsoft.com/office/drawing/2014/main" id="{21B5D426-8EE7-45EC-8598-7F10B8E0B99A}"/>
+              </a:ext>
+            </a:extLst>
+          </p:cNvPr>
+          <p:cNvCxnSpPr>
+            <a:stCxn id="49" idx="2"/>
+            <a:endCxn id="50" idx="0"/>
+          </p:cNvCxnSpPr>
+          <p:nvPr/>
+        </p:nvCxnSpPr>
+        <p:spPr>
+          <a:xfrm>
+            <a:off x="9988550" y="5105479"/>
+            <a:ext cx="0" cy="572667"/>
+          </a:xfrm>
+          <a:prstGeom prst="straightConnector1">
+            <a:avLst/>
+          </a:prstGeom>
+          <a:ln w="28575">
+            <a:tailEnd type="triangle"/>
+          </a:ln>
+        </p:spPr>
+        <p:style>
+          <a:lnRef idx="1">
+            <a:schemeClr val="accent1"/>
+          </a:lnRef>
+          <a:fillRef idx="0">
+            <a:schemeClr val="accent1"/>
+          </a:fillRef>
+          <a:effectRef idx="0">
+            <a:schemeClr val="accent1"/>
+          </a:effectRef>
+          <a:fontRef idx="minor">
+            <a:schemeClr val="tx1"/>
+          </a:fontRef>
+        </p:style>
+      </p:cxnSp>
+      <p:cxnSp>
+        <p:nvCxnSpPr>
+          <p:cNvPr id="71" name="Straight Arrow Connector 70">
+            <a:extLst>
+              <a:ext uri="{FF2B5EF4-FFF2-40B4-BE49-F238E27FC236}">
+                <a16:creationId xmlns:a16="http://schemas.microsoft.com/office/drawing/2014/main" id="{D6D938AA-14C4-4766-8651-BA4CD0EF3064}"/>
+              </a:ext>
+            </a:extLst>
+          </p:cNvPr>
+          <p:cNvCxnSpPr>
+            <a:stCxn id="37" idx="3"/>
+            <a:endCxn id="10" idx="1"/>
+          </p:cNvCxnSpPr>
+          <p:nvPr/>
+        </p:nvCxnSpPr>
+        <p:spPr>
+          <a:xfrm>
+            <a:off x="3709084" y="3154687"/>
+            <a:ext cx="457518" cy="221554"/>
+          </a:xfrm>
+          <a:prstGeom prst="straightConnector1">
+            <a:avLst/>
+          </a:prstGeom>
+          <a:ln w="28575">
+            <a:tailEnd type="triangle"/>
+          </a:ln>
+        </p:spPr>
+        <p:style>
+          <a:lnRef idx="1">
+            <a:schemeClr val="accent1"/>
+          </a:lnRef>
+          <a:fillRef idx="0">
+            <a:schemeClr val="accent1"/>
+          </a:fillRef>
+          <a:effectRef idx="0">
+            <a:schemeClr val="accent1"/>
+          </a:effectRef>
+          <a:fontRef idx="minor">
+            <a:schemeClr val="tx1"/>
+          </a:fontRef>
+        </p:style>
+      </p:cxnSp>
+    </p:spTree>
+    <p:extLst>
+      <p:ext uri="{BB962C8B-B14F-4D97-AF65-F5344CB8AC3E}">
+        <p14:creationId xmlns:p14="http://schemas.microsoft.com/office/powerpoint/2010/main" val="3561324327"/>
+      </p:ext>
+    </p:extLst>
+  </p:cSld>
+  <p:clrMapOvr>
+    <a:masterClrMapping/>
+  </p:clrMapOvr>
+</p:sld>
+</file>
+
 <file path=ppt/theme/theme1.xml><?xml version="1.0" encoding="utf-8"?>
 <a:theme xmlns:a="http://schemas.openxmlformats.org/drawingml/2006/main" name="Office Theme">
   <a:themeElements>
